--- a/project.pptx
+++ b/project.pptx
@@ -2,23 +2,19 @@
 <file path=ppt/presentation.xml><?xml version="1.0" encoding="utf-8"?>
 <p:presentation xmlns:a="http://schemas.openxmlformats.org/drawingml/2006/main" xmlns:r="http://schemas.openxmlformats.org/officeDocument/2006/relationships" xmlns:p="http://schemas.openxmlformats.org/presentationml/2006/main" saveSubsetFonts="1">
   <p:sldMasterIdLst>
-    <p:sldMasterId id="2147483660" r:id="rId1"/>
+    <p:sldMasterId id="2147483684" r:id="rId1"/>
   </p:sldMasterIdLst>
   <p:handoutMasterIdLst>
-    <p:handoutMasterId r:id="rId13"/>
+    <p:handoutMasterId r:id="rId9"/>
   </p:handoutMasterIdLst>
   <p:sldIdLst>
     <p:sldId id="256" r:id="rId2"/>
-    <p:sldId id="257" r:id="rId3"/>
-    <p:sldId id="258" r:id="rId4"/>
-    <p:sldId id="259" r:id="rId5"/>
-    <p:sldId id="260" r:id="rId6"/>
-    <p:sldId id="261" r:id="rId7"/>
-    <p:sldId id="262" r:id="rId8"/>
-    <p:sldId id="263" r:id="rId9"/>
-    <p:sldId id="264" r:id="rId10"/>
-    <p:sldId id="265" r:id="rId11"/>
-    <p:sldId id="266" r:id="rId12"/>
+    <p:sldId id="258" r:id="rId3"/>
+    <p:sldId id="260" r:id="rId4"/>
+    <p:sldId id="261" r:id="rId5"/>
+    <p:sldId id="263" r:id="rId6"/>
+    <p:sldId id="266" r:id="rId7"/>
+    <p:sldId id="268" r:id="rId8"/>
   </p:sldIdLst>
   <p:sldSz cx="9144000" cy="6858000" type="screen4x3"/>
   <p:notesSz cx="6858000" cy="9144000"/>
@@ -404,7 +400,7 @@
     </p:spTree>
     <p:extLst>
       <p:ext uri="{BB962C8B-B14F-4D97-AF65-F5344CB8AC3E}">
-        <p14:creationId xmlns:p14="http://schemas.microsoft.com/office/powerpoint/2010/main" val="3812595587"/>
+        <p14:creationId xmlns:p14="http://schemas.microsoft.com/office/powerpoint/2010/main" val="2194235491"/>
       </p:ext>
     </p:extLst>
   </p:cSld>
@@ -574,7 +570,7 @@
     </p:spTree>
     <p:extLst>
       <p:ext uri="{BB962C8B-B14F-4D97-AF65-F5344CB8AC3E}">
-        <p14:creationId xmlns:p14="http://schemas.microsoft.com/office/powerpoint/2010/main" val="2884959620"/>
+        <p14:creationId xmlns:p14="http://schemas.microsoft.com/office/powerpoint/2010/main" val="232912583"/>
       </p:ext>
     </p:extLst>
   </p:cSld>
@@ -754,7 +750,7 @@
     </p:spTree>
     <p:extLst>
       <p:ext uri="{BB962C8B-B14F-4D97-AF65-F5344CB8AC3E}">
-        <p14:creationId xmlns:p14="http://schemas.microsoft.com/office/powerpoint/2010/main" val="2901080896"/>
+        <p14:creationId xmlns:p14="http://schemas.microsoft.com/office/powerpoint/2010/main" val="1902733602"/>
       </p:ext>
     </p:extLst>
   </p:cSld>
@@ -791,7 +787,12 @@
             <p:ph type="title"/>
           </p:nvPr>
         </p:nvSpPr>
-        <p:spPr/>
+        <p:spPr>
+          <a:xfrm>
+            <a:off x="1226126" y="365126"/>
+            <a:ext cx="7289223" cy="1325563"/>
+          </a:xfrm>
+        </p:spPr>
         <p:txBody>
           <a:bodyPr/>
           <a:lstStyle/>
@@ -924,13 +925,20 @@
     </p:spTree>
     <p:extLst>
       <p:ext uri="{BB962C8B-B14F-4D97-AF65-F5344CB8AC3E}">
-        <p14:creationId xmlns:p14="http://schemas.microsoft.com/office/powerpoint/2010/main" val="3257108197"/>
+        <p14:creationId xmlns:p14="http://schemas.microsoft.com/office/powerpoint/2010/main" val="1334395356"/>
       </p:ext>
     </p:extLst>
   </p:cSld>
   <p:clrMapOvr>
     <a:masterClrMapping/>
   </p:clrMapOvr>
+  <p:timing>
+    <p:tnLst>
+      <p:par>
+        <p:cTn id="1" dur="indefinite" restart="never" nodeType="tmRoot"/>
+      </p:par>
+    </p:tnLst>
+  </p:timing>
 </p:sldLayout>
 </file>
 
@@ -1165,16 +1173,119 @@
           </a:p>
         </p:txBody>
       </p:sp>
+      <p:sp>
+        <p:nvSpPr>
+          <p:cNvPr id="7" name="Rectangle 6"/>
+          <p:cNvSpPr/>
+          <p:nvPr userDrawn="1"/>
+        </p:nvSpPr>
+        <p:spPr>
+          <a:xfrm>
+            <a:off x="7335982" y="115096"/>
+            <a:ext cx="2078182" cy="1391586"/>
+          </a:xfrm>
+          <a:prstGeom prst="rect">
+            <a:avLst/>
+          </a:prstGeom>
+          <a:solidFill>
+            <a:schemeClr val="bg1"/>
+          </a:solidFill>
+          <a:ln>
+            <a:solidFill>
+              <a:schemeClr val="bg1"/>
+            </a:solidFill>
+          </a:ln>
+        </p:spPr>
+        <p:style>
+          <a:lnRef idx="2">
+            <a:schemeClr val="accent1">
+              <a:shade val="50000"/>
+            </a:schemeClr>
+          </a:lnRef>
+          <a:fillRef idx="1">
+            <a:schemeClr val="accent1"/>
+          </a:fillRef>
+          <a:effectRef idx="0">
+            <a:schemeClr val="accent1"/>
+          </a:effectRef>
+          <a:fontRef idx="minor">
+            <a:schemeClr val="lt1"/>
+          </a:fontRef>
+        </p:style>
+        <p:txBody>
+          <a:bodyPr rtlCol="0" anchor="ctr"/>
+          <a:lstStyle/>
+          <a:p>
+            <a:pPr algn="ctr"/>
+            <a:endParaRPr lang="fr-FR"/>
+          </a:p>
+        </p:txBody>
+      </p:sp>
+      <p:sp>
+        <p:nvSpPr>
+          <p:cNvPr id="8" name="Rectangle 7"/>
+          <p:cNvSpPr/>
+          <p:nvPr userDrawn="1"/>
+        </p:nvSpPr>
+        <p:spPr>
+          <a:xfrm>
+            <a:off x="-415203" y="-1"/>
+            <a:ext cx="2078182" cy="1682751"/>
+          </a:xfrm>
+          <a:prstGeom prst="rect">
+            <a:avLst/>
+          </a:prstGeom>
+          <a:solidFill>
+            <a:schemeClr val="bg1"/>
+          </a:solidFill>
+          <a:ln>
+            <a:solidFill>
+              <a:schemeClr val="bg1"/>
+            </a:solidFill>
+          </a:ln>
+        </p:spPr>
+        <p:style>
+          <a:lnRef idx="2">
+            <a:schemeClr val="accent1">
+              <a:shade val="50000"/>
+            </a:schemeClr>
+          </a:lnRef>
+          <a:fillRef idx="1">
+            <a:schemeClr val="accent1"/>
+          </a:fillRef>
+          <a:effectRef idx="0">
+            <a:schemeClr val="accent1"/>
+          </a:effectRef>
+          <a:fontRef idx="minor">
+            <a:schemeClr val="lt1"/>
+          </a:fontRef>
+        </p:style>
+        <p:txBody>
+          <a:bodyPr rtlCol="0" anchor="ctr"/>
+          <a:lstStyle/>
+          <a:p>
+            <a:pPr algn="ctr"/>
+            <a:endParaRPr lang="fr-FR"/>
+          </a:p>
+        </p:txBody>
+      </p:sp>
     </p:spTree>
     <p:extLst>
       <p:ext uri="{BB962C8B-B14F-4D97-AF65-F5344CB8AC3E}">
-        <p14:creationId xmlns:p14="http://schemas.microsoft.com/office/powerpoint/2010/main" val="2393329510"/>
+        <p14:creationId xmlns:p14="http://schemas.microsoft.com/office/powerpoint/2010/main" val="3579068927"/>
       </p:ext>
     </p:extLst>
   </p:cSld>
   <p:clrMapOvr>
     <a:masterClrMapping/>
   </p:clrMapOvr>
+  <p:timing>
+    <p:tnLst>
+      <p:par>
+        <p:cTn id="1" dur="indefinite" restart="never" nodeType="tmRoot"/>
+      </p:par>
+    </p:tnLst>
+  </p:timing>
 </p:sldLayout>
 </file>
 
@@ -1400,7 +1511,7 @@
     </p:spTree>
     <p:extLst>
       <p:ext uri="{BB962C8B-B14F-4D97-AF65-F5344CB8AC3E}">
-        <p14:creationId xmlns:p14="http://schemas.microsoft.com/office/powerpoint/2010/main" val="2274918530"/>
+        <p14:creationId xmlns:p14="http://schemas.microsoft.com/office/powerpoint/2010/main" val="638771142"/>
       </p:ext>
     </p:extLst>
   </p:cSld>
@@ -1767,7 +1878,7 @@
     </p:spTree>
     <p:extLst>
       <p:ext uri="{BB962C8B-B14F-4D97-AF65-F5344CB8AC3E}">
-        <p14:creationId xmlns:p14="http://schemas.microsoft.com/office/powerpoint/2010/main" val="3138494687"/>
+        <p14:creationId xmlns:p14="http://schemas.microsoft.com/office/powerpoint/2010/main" val="2327954350"/>
       </p:ext>
     </p:extLst>
   </p:cSld>
@@ -1885,7 +1996,7 @@
     </p:spTree>
     <p:extLst>
       <p:ext uri="{BB962C8B-B14F-4D97-AF65-F5344CB8AC3E}">
-        <p14:creationId xmlns:p14="http://schemas.microsoft.com/office/powerpoint/2010/main" val="3437240062"/>
+        <p14:creationId xmlns:p14="http://schemas.microsoft.com/office/powerpoint/2010/main" val="2828364453"/>
       </p:ext>
     </p:extLst>
   </p:cSld>
@@ -1980,7 +2091,7 @@
     </p:spTree>
     <p:extLst>
       <p:ext uri="{BB962C8B-B14F-4D97-AF65-F5344CB8AC3E}">
-        <p14:creationId xmlns:p14="http://schemas.microsoft.com/office/powerpoint/2010/main" val="4107196347"/>
+        <p14:creationId xmlns:p14="http://schemas.microsoft.com/office/powerpoint/2010/main" val="1206307364"/>
       </p:ext>
     </p:extLst>
   </p:cSld>
@@ -2257,7 +2368,7 @@
     </p:spTree>
     <p:extLst>
       <p:ext uri="{BB962C8B-B14F-4D97-AF65-F5344CB8AC3E}">
-        <p14:creationId xmlns:p14="http://schemas.microsoft.com/office/powerpoint/2010/main" val="2437293311"/>
+        <p14:creationId xmlns:p14="http://schemas.microsoft.com/office/powerpoint/2010/main" val="2486666503"/>
       </p:ext>
     </p:extLst>
   </p:cSld>
@@ -2514,7 +2625,7 @@
     </p:spTree>
     <p:extLst>
       <p:ext uri="{BB962C8B-B14F-4D97-AF65-F5344CB8AC3E}">
-        <p14:creationId xmlns:p14="http://schemas.microsoft.com/office/powerpoint/2010/main" val="4217262891"/>
+        <p14:creationId xmlns:p14="http://schemas.microsoft.com/office/powerpoint/2010/main" val="958634786"/>
       </p:ext>
     </p:extLst>
   </p:cSld>
@@ -2546,6 +2657,36 @@
           <a:chExt cx="0" cy="0"/>
         </a:xfrm>
       </p:grpSpPr>
+      <p:pic>
+        <p:nvPicPr>
+          <p:cNvPr id="9" name="Image 8"/>
+          <p:cNvPicPr>
+            <a:picLocks noChangeAspect="1"/>
+          </p:cNvPicPr>
+          <p:nvPr userDrawn="1"/>
+        </p:nvPicPr>
+        <p:blipFill>
+          <a:blip r:embed="rId13" cstate="print">
+            <a:extLst>
+              <a:ext uri="{28A0092B-C50C-407E-A947-70E740481C1C}">
+                <a14:useLocalDpi xmlns:a14="http://schemas.microsoft.com/office/drawing/2010/main" val="0"/>
+              </a:ext>
+            </a:extLst>
+          </a:blip>
+          <a:stretch>
+            <a:fillRect/>
+          </a:stretch>
+        </p:blipFill>
+        <p:spPr>
+          <a:xfrm>
+            <a:off x="7897089" y="230190"/>
+            <a:ext cx="997527" cy="997527"/>
+          </a:xfrm>
+          <a:prstGeom prst="rect">
+            <a:avLst/>
+          </a:prstGeom>
+        </p:spPr>
+      </p:pic>
       <p:sp>
         <p:nvSpPr>
           <p:cNvPr id="2" name="Title Placeholder 1"/>
@@ -2721,6 +2862,56 @@
       </p:sp>
       <p:sp>
         <p:nvSpPr>
+          <p:cNvPr id="7" name="Rectangle 6"/>
+          <p:cNvSpPr/>
+          <p:nvPr userDrawn="1"/>
+        </p:nvSpPr>
+        <p:spPr>
+          <a:xfrm rot="18900000">
+            <a:off x="-1520251" y="-367608"/>
+            <a:ext cx="3764107" cy="1294395"/>
+          </a:xfrm>
+          <a:prstGeom prst="rect">
+            <a:avLst/>
+          </a:prstGeom>
+          <a:solidFill>
+            <a:schemeClr val="dk1">
+              <a:alpha val="81000"/>
+            </a:schemeClr>
+          </a:solidFill>
+        </p:spPr>
+        <p:style>
+          <a:lnRef idx="2">
+            <a:schemeClr val="dk1">
+              <a:shade val="50000"/>
+            </a:schemeClr>
+          </a:lnRef>
+          <a:fillRef idx="1">
+            <a:schemeClr val="dk1"/>
+          </a:fillRef>
+          <a:effectRef idx="0">
+            <a:schemeClr val="dk1"/>
+          </a:effectRef>
+          <a:fontRef idx="minor">
+            <a:schemeClr val="lt1"/>
+          </a:fontRef>
+        </p:style>
+        <p:txBody>
+          <a:bodyPr rot="0" spcFirstLastPara="0" vertOverflow="overflow" horzOverflow="overflow" vert="horz" wrap="square" lIns="91440" tIns="45720" rIns="91440" bIns="45720" numCol="1" spcCol="0" rtlCol="0" fromWordArt="0" anchor="ctr" anchorCtr="0" forceAA="0" compatLnSpc="1">
+            <a:prstTxWarp prst="textNoShape">
+              <a:avLst/>
+            </a:prstTxWarp>
+            <a:noAutofit/>
+          </a:bodyPr>
+          <a:lstStyle/>
+          <a:p>
+            <a:pPr algn="ctr"/>
+            <a:endParaRPr lang="fr-FR" sz="1800"/>
+          </a:p>
+        </p:txBody>
+      </p:sp>
+      <p:sp>
+        <p:nvSpPr>
           <p:cNvPr id="6" name="Slide Number Placeholder 5"/>
           <p:cNvSpPr>
             <a:spLocks noGrp="1"/>
@@ -2731,8 +2922,8 @@
         </p:nvSpPr>
         <p:spPr>
           <a:xfrm>
-            <a:off x="6457950" y="6356351"/>
-            <a:ext cx="2057400" cy="365125"/>
+            <a:off x="-1319645" y="115096"/>
+            <a:ext cx="2057400" cy="456404"/>
           </a:xfrm>
           <a:prstGeom prst="rect">
             <a:avLst/>
@@ -2763,23 +2954,23 @@
     </p:spTree>
     <p:extLst>
       <p:ext uri="{BB962C8B-B14F-4D97-AF65-F5344CB8AC3E}">
-        <p14:creationId xmlns:p14="http://schemas.microsoft.com/office/powerpoint/2010/main" val="2096706836"/>
+        <p14:creationId xmlns:p14="http://schemas.microsoft.com/office/powerpoint/2010/main" val="1214431214"/>
       </p:ext>
     </p:extLst>
   </p:cSld>
   <p:clrMap bg1="lt1" tx1="dk1" bg2="lt2" tx2="dk2" accent1="accent1" accent2="accent2" accent3="accent3" accent4="accent4" accent5="accent5" accent6="accent6" hlink="hlink" folHlink="folHlink"/>
   <p:sldLayoutIdLst>
-    <p:sldLayoutId id="2147483661" r:id="rId1"/>
-    <p:sldLayoutId id="2147483662" r:id="rId2"/>
-    <p:sldLayoutId id="2147483663" r:id="rId3"/>
-    <p:sldLayoutId id="2147483664" r:id="rId4"/>
-    <p:sldLayoutId id="2147483665" r:id="rId5"/>
-    <p:sldLayoutId id="2147483666" r:id="rId6"/>
-    <p:sldLayoutId id="2147483667" r:id="rId7"/>
-    <p:sldLayoutId id="2147483668" r:id="rId8"/>
-    <p:sldLayoutId id="2147483669" r:id="rId9"/>
-    <p:sldLayoutId id="2147483670" r:id="rId10"/>
-    <p:sldLayoutId id="2147483671" r:id="rId11"/>
+    <p:sldLayoutId id="2147483685" r:id="rId1"/>
+    <p:sldLayoutId id="2147483686" r:id="rId2"/>
+    <p:sldLayoutId id="2147483687" r:id="rId3"/>
+    <p:sldLayoutId id="2147483688" r:id="rId4"/>
+    <p:sldLayoutId id="2147483689" r:id="rId5"/>
+    <p:sldLayoutId id="2147483690" r:id="rId6"/>
+    <p:sldLayoutId id="2147483691" r:id="rId7"/>
+    <p:sldLayoutId id="2147483692" r:id="rId8"/>
+    <p:sldLayoutId id="2147483693" r:id="rId9"/>
+    <p:sldLayoutId id="2147483694" r:id="rId10"/>
+    <p:sldLayoutId id="2147483695" r:id="rId11"/>
   </p:sldLayoutIdLst>
   <p:txStyles>
     <p:titleStyle>
@@ -3103,8 +3294,8 @@
         </p:blipFill>
         <p:spPr>
           <a:xfrm>
-            <a:off x="1158765" y="0"/>
-            <a:ext cx="6863255" cy="6863255"/>
+            <a:off x="2848795" y="714704"/>
+            <a:ext cx="3436886" cy="3436886"/>
           </a:xfrm>
           <a:prstGeom prst="rect">
             <a:avLst/>
@@ -3118,28 +3309,24 @@
             <a:spLocks noGrp="1"/>
           </p:cNvSpPr>
           <p:nvPr>
-            <p:ph type="subTitle" idx="1"/>
-          </p:nvPr>
-        </p:nvSpPr>
-        <p:spPr>
-          <a:xfrm>
-            <a:off x="1761795" y="2719169"/>
-            <a:ext cx="5657193" cy="402403"/>
-          </a:xfrm>
-        </p:spPr>
+            <p:ph type="body" idx="1"/>
+          </p:nvPr>
+        </p:nvSpPr>
+        <p:spPr/>
         <p:txBody>
           <a:bodyPr>
             <a:noAutofit/>
           </a:bodyPr>
           <a:lstStyle/>
           <a:p>
-            <a:r>
-              <a:rPr lang="fr-FR" sz="3200" dirty="0" smtClean="0">
+            <a:pPr algn="ctr"/>
+            <a:r>
+              <a:rPr lang="fr-FR" sz="3200" b="1" dirty="0">
                 <a:latin typeface="Berlin Sans FB Demi" panose="020E0802020502020306" pitchFamily="34" charset="0"/>
               </a:rPr>
               <a:t>GERMANFRENCHFOOD</a:t>
             </a:r>
-            <a:endParaRPr lang="fr-FR" sz="3200" dirty="0">
+            <a:endParaRPr lang="fr-FR" sz="3200" b="1" dirty="0">
               <a:latin typeface="Berlin Sans FB Demi" panose="020E0802020502020306" pitchFamily="34" charset="0"/>
             </a:endParaRPr>
           </a:p>
@@ -3155,255 +3342,16 @@
   <p:clrMapOvr>
     <a:masterClrMapping/>
   </p:clrMapOvr>
-</p:sld>
-</file>
-
-<file path=ppt/slides/slide10.xml><?xml version="1.0" encoding="utf-8"?>
-<p:sld xmlns:a="http://schemas.openxmlformats.org/drawingml/2006/main" xmlns:r="http://schemas.openxmlformats.org/officeDocument/2006/relationships" xmlns:p="http://schemas.openxmlformats.org/presentationml/2006/main">
-  <p:cSld>
-    <p:spTree>
-      <p:nvGrpSpPr>
-        <p:cNvPr id="1" name=""/>
-        <p:cNvGrpSpPr/>
-        <p:nvPr/>
-      </p:nvGrpSpPr>
-      <p:grpSpPr>
-        <a:xfrm>
-          <a:off x="0" y="0"/>
-          <a:ext cx="0" cy="0"/>
-          <a:chOff x="0" y="0"/>
-          <a:chExt cx="0" cy="0"/>
-        </a:xfrm>
-      </p:grpSpPr>
-      <p:sp>
-        <p:nvSpPr>
-          <p:cNvPr id="2" name="Titre 1"/>
-          <p:cNvSpPr>
-            <a:spLocks noGrp="1"/>
-          </p:cNvSpPr>
-          <p:nvPr>
-            <p:ph type="title"/>
-          </p:nvPr>
-        </p:nvSpPr>
-        <p:spPr/>
-        <p:txBody>
-          <a:bodyPr>
-            <a:normAutofit/>
-          </a:bodyPr>
-          <a:lstStyle/>
-          <a:p>
-            <a:r>
-              <a:rPr lang="fr-FR" sz="4000" dirty="0" err="1" smtClean="0">
-                <a:latin typeface="Berlin Sans FB Demi" panose="020E0802020502020306" pitchFamily="34" charset="0"/>
-              </a:rPr>
-              <a:t>Demonstration</a:t>
-            </a:r>
-            <a:r>
-              <a:rPr lang="fr-FR" sz="4000" dirty="0" smtClean="0">
-                <a:latin typeface="Berlin Sans FB Demi" panose="020E0802020502020306" pitchFamily="34" charset="0"/>
-              </a:rPr>
-              <a:t> </a:t>
-            </a:r>
-            <a:endParaRPr lang="fr-FR" sz="4000" dirty="0">
-              <a:latin typeface="Berlin Sans FB Demi" panose="020E0802020502020306" pitchFamily="34" charset="0"/>
-            </a:endParaRPr>
-          </a:p>
-        </p:txBody>
-      </p:sp>
-      <p:sp>
-        <p:nvSpPr>
-          <p:cNvPr id="3" name="Espace réservé du contenu 2"/>
-          <p:cNvSpPr>
-            <a:spLocks noGrp="1"/>
-          </p:cNvSpPr>
-          <p:nvPr>
-            <p:ph idx="1"/>
-          </p:nvPr>
-        </p:nvSpPr>
-        <p:spPr/>
-        <p:txBody>
-          <a:bodyPr/>
-          <a:lstStyle/>
-          <a:p>
-            <a:pPr marL="0" indent="0">
-              <a:buNone/>
-            </a:pPr>
-            <a:r>
-              <a:rPr lang="fr-FR" dirty="0" smtClean="0"/>
-              <a:t>- url du site avec déplacement dedans</a:t>
-            </a:r>
-            <a:endParaRPr lang="fr-FR" dirty="0"/>
-          </a:p>
-        </p:txBody>
-      </p:sp>
-      <p:pic>
-        <p:nvPicPr>
-          <p:cNvPr id="4" name="Image 3"/>
-          <p:cNvPicPr>
-            <a:picLocks noChangeAspect="1"/>
-          </p:cNvPicPr>
-          <p:nvPr/>
-        </p:nvPicPr>
-        <p:blipFill>
-          <a:blip r:embed="rId2" cstate="print">
-            <a:extLst>
-              <a:ext uri="{28A0092B-C50C-407E-A947-70E740481C1C}">
-                <a14:useLocalDpi xmlns:a14="http://schemas.microsoft.com/office/drawing/2010/main" val="0"/>
-              </a:ext>
-            </a:extLst>
-          </a:blip>
-          <a:stretch>
-            <a:fillRect/>
-          </a:stretch>
-        </p:blipFill>
-        <p:spPr>
-          <a:xfrm>
-            <a:off x="7410222" y="365126"/>
-            <a:ext cx="1325563" cy="1325563"/>
-          </a:xfrm>
-          <a:prstGeom prst="rect">
-            <a:avLst/>
-          </a:prstGeom>
-        </p:spPr>
-      </p:pic>
-    </p:spTree>
-    <p:extLst>
-      <p:ext uri="{BB962C8B-B14F-4D97-AF65-F5344CB8AC3E}">
-        <p14:creationId xmlns:p14="http://schemas.microsoft.com/office/powerpoint/2010/main" val="2209844283"/>
-      </p:ext>
-    </p:extLst>
-  </p:cSld>
-  <p:clrMapOvr>
-    <a:masterClrMapping/>
-  </p:clrMapOvr>
-</p:sld>
-</file>
-
-<file path=ppt/slides/slide11.xml><?xml version="1.0" encoding="utf-8"?>
-<p:sld xmlns:a="http://schemas.openxmlformats.org/drawingml/2006/main" xmlns:r="http://schemas.openxmlformats.org/officeDocument/2006/relationships" xmlns:p="http://schemas.openxmlformats.org/presentationml/2006/main">
-  <p:cSld>
-    <p:spTree>
-      <p:nvGrpSpPr>
-        <p:cNvPr id="1" name=""/>
-        <p:cNvGrpSpPr/>
-        <p:nvPr/>
-      </p:nvGrpSpPr>
-      <p:grpSpPr>
-        <a:xfrm>
-          <a:off x="0" y="0"/>
-          <a:ext cx="0" cy="0"/>
-          <a:chOff x="0" y="0"/>
-          <a:chExt cx="0" cy="0"/>
-        </a:xfrm>
-      </p:grpSpPr>
-      <p:sp>
-        <p:nvSpPr>
-          <p:cNvPr id="4" name="Titre 3"/>
-          <p:cNvSpPr>
-            <a:spLocks noGrp="1"/>
-          </p:cNvSpPr>
-          <p:nvPr>
-            <p:ph type="title"/>
-          </p:nvPr>
-        </p:nvSpPr>
-        <p:spPr>
-          <a:xfrm>
-            <a:off x="667431" y="2145168"/>
-            <a:ext cx="7886700" cy="2852737"/>
-          </a:xfrm>
-        </p:spPr>
-        <p:txBody>
-          <a:bodyPr/>
-          <a:lstStyle/>
-          <a:p>
-            <a:pPr algn="ctr"/>
-            <a:r>
-              <a:rPr lang="fr-FR" dirty="0" err="1">
-                <a:latin typeface="Berlin Sans FB Demi" panose="020E0802020502020306" pitchFamily="34" charset="0"/>
-              </a:rPr>
-              <a:t>Thank</a:t>
-            </a:r>
-            <a:r>
-              <a:rPr lang="fr-FR" dirty="0">
-                <a:latin typeface="Berlin Sans FB Demi" panose="020E0802020502020306" pitchFamily="34" charset="0"/>
-              </a:rPr>
-              <a:t> </a:t>
-            </a:r>
-            <a:r>
-              <a:rPr lang="fr-FR" dirty="0" err="1">
-                <a:latin typeface="Berlin Sans FB Demi" panose="020E0802020502020306" pitchFamily="34" charset="0"/>
-              </a:rPr>
-              <a:t>you</a:t>
-            </a:r>
-            <a:r>
-              <a:rPr lang="fr-FR" dirty="0">
-                <a:latin typeface="Berlin Sans FB Demi" panose="020E0802020502020306" pitchFamily="34" charset="0"/>
-              </a:rPr>
-              <a:t> for </a:t>
-            </a:r>
-            <a:r>
-              <a:rPr lang="fr-FR" dirty="0" err="1">
-                <a:latin typeface="Berlin Sans FB Demi" panose="020E0802020502020306" pitchFamily="34" charset="0"/>
-              </a:rPr>
-              <a:t>your</a:t>
-            </a:r>
-            <a:r>
-              <a:rPr lang="fr-FR" dirty="0">
-                <a:latin typeface="Berlin Sans FB Demi" panose="020E0802020502020306" pitchFamily="34" charset="0"/>
-              </a:rPr>
-              <a:t> attention</a:t>
-            </a:r>
-            <a:r>
-              <a:rPr lang="fr-FR" dirty="0"/>
-              <a:t/>
-            </a:r>
-            <a:br>
-              <a:rPr lang="fr-FR" dirty="0"/>
-            </a:br>
-            <a:endParaRPr lang="fr-FR" dirty="0"/>
-          </a:p>
-        </p:txBody>
-      </p:sp>
-      <p:pic>
-        <p:nvPicPr>
-          <p:cNvPr id="7" name="Image 6"/>
-          <p:cNvPicPr>
-            <a:picLocks noChangeAspect="1"/>
-          </p:cNvPicPr>
-          <p:nvPr/>
-        </p:nvPicPr>
-        <p:blipFill>
-          <a:blip r:embed="rId2" cstate="print">
-            <a:extLst>
-              <a:ext uri="{28A0092B-C50C-407E-A947-70E740481C1C}">
-                <a14:useLocalDpi xmlns:a14="http://schemas.microsoft.com/office/drawing/2010/main" val="0"/>
-              </a:ext>
-            </a:extLst>
-          </a:blip>
-          <a:stretch>
-            <a:fillRect/>
-          </a:stretch>
-        </p:blipFill>
-        <p:spPr>
-          <a:xfrm>
-            <a:off x="7410222" y="365126"/>
-            <a:ext cx="1325563" cy="1325563"/>
-          </a:xfrm>
-          <a:prstGeom prst="rect">
-            <a:avLst/>
-          </a:prstGeom>
-        </p:spPr>
-      </p:pic>
-    </p:spTree>
-    <p:extLst>
-      <p:ext uri="{BB962C8B-B14F-4D97-AF65-F5344CB8AC3E}">
-        <p14:creationId xmlns:p14="http://schemas.microsoft.com/office/powerpoint/2010/main" val="3864918447"/>
-      </p:ext>
-    </p:extLst>
-  </p:cSld>
-  <p:clrMapOvr>
-    <a:masterClrMapping/>
-  </p:clrMapOvr>
+  <p:transition spd="slow">
+    <p:wipe/>
+  </p:transition>
+  <p:timing>
+    <p:tnLst>
+      <p:par>
+        <p:cTn id="1" dur="indefinite" restart="never" nodeType="tmRoot"/>
+      </p:par>
+    </p:tnLst>
+  </p:timing>
 </p:sld>
 </file>
 
@@ -3436,109 +3384,130 @@
         </p:nvSpPr>
         <p:spPr/>
         <p:txBody>
-          <a:bodyPr/>
+          <a:bodyPr>
+            <a:normAutofit/>
+          </a:bodyPr>
           <a:lstStyle/>
           <a:p>
             <a:pPr algn="ctr"/>
             <a:r>
-              <a:rPr lang="fr-FR" dirty="0" smtClean="0">
-                <a:latin typeface="Berlin Sans FB Demi" panose="020E0802020502020306" pitchFamily="34" charset="0"/>
-              </a:rPr>
-              <a:t>SUMMARY</a:t>
-            </a:r>
-            <a:endParaRPr lang="fr-FR" dirty="0">
-              <a:latin typeface="Berlin Sans FB Demi" panose="020E0802020502020306" pitchFamily="34" charset="0"/>
-            </a:endParaRPr>
-          </a:p>
-        </p:txBody>
-      </p:sp>
-      <p:sp>
-        <p:nvSpPr>
-          <p:cNvPr id="3" name="Espace réservé du contenu 2"/>
-          <p:cNvSpPr>
-            <a:spLocks noGrp="1"/>
-          </p:cNvSpPr>
-          <p:nvPr>
-            <p:ph idx="1"/>
-          </p:nvPr>
-        </p:nvSpPr>
-        <p:spPr/>
-        <p:txBody>
-          <a:bodyPr>
-            <a:normAutofit fontScale="92500"/>
-          </a:bodyPr>
-          <a:lstStyle/>
-          <a:p>
-            <a:pPr>
-              <a:lnSpc>
-                <a:spcPct val="200000"/>
-              </a:lnSpc>
-            </a:pPr>
-            <a:r>
-              <a:rPr lang="fr-FR" sz="3200" dirty="0" err="1" smtClean="0">
+              <a:rPr lang="fr-FR" sz="4000" dirty="0" err="1">
                 <a:latin typeface="Berlin Sans FB Demi" panose="020E0802020502020306" pitchFamily="34" charset="0"/>
               </a:rPr>
               <a:t>Presentation</a:t>
             </a:r>
             <a:r>
-              <a:rPr lang="fr-FR" sz="3200" dirty="0" smtClean="0">
+              <a:rPr lang="fr-FR" sz="4000" dirty="0">
                 <a:latin typeface="Berlin Sans FB Demi" panose="020E0802020502020306" pitchFamily="34" charset="0"/>
               </a:rPr>
-              <a:t> of the concept and the </a:t>
-            </a:r>
-            <a:r>
-              <a:rPr lang="fr-FR" sz="3200" dirty="0" err="1" smtClean="0">
+              <a:t> of the concept</a:t>
+            </a:r>
+            <a:endParaRPr lang="fr-FR" sz="4000" dirty="0">
+              <a:latin typeface="Berlin Sans FB Demi" panose="020E0802020502020306" pitchFamily="34" charset="0"/>
+            </a:endParaRPr>
+          </a:p>
+        </p:txBody>
+      </p:sp>
+      <p:sp>
+        <p:nvSpPr>
+          <p:cNvPr id="3" name="Espace réservé du contenu 2"/>
+          <p:cNvSpPr>
+            <a:spLocks noGrp="1"/>
+          </p:cNvSpPr>
+          <p:nvPr>
+            <p:ph sz="half" idx="1"/>
+          </p:nvPr>
+        </p:nvSpPr>
+        <p:spPr>
+          <a:xfrm>
+            <a:off x="325823" y="2844432"/>
+            <a:ext cx="3552496" cy="1692167"/>
+          </a:xfrm>
+        </p:spPr>
+        <p:txBody>
+          <a:bodyPr>
+            <a:normAutofit/>
+          </a:bodyPr>
+          <a:lstStyle/>
+          <a:p>
+            <a:r>
+              <a:rPr lang="fr-FR" sz="2400" dirty="0" smtClean="0">
+                <a:latin typeface="Berlin Sans FB Demi" panose="020E0802020502020306" pitchFamily="34" charset="0"/>
+              </a:rPr>
+              <a:t>Target : </a:t>
+            </a:r>
+            <a:r>
+              <a:rPr lang="fr-FR" sz="2400" dirty="0" smtClean="0">
+                <a:latin typeface="Berlin Sans FB Demi" panose="020E0802020502020306" pitchFamily="34" charset="0"/>
+              </a:rPr>
+              <a:t>people </a:t>
+            </a:r>
+            <a:r>
+              <a:rPr lang="fr-FR" sz="2400" dirty="0" err="1" smtClean="0">
+                <a:latin typeface="Berlin Sans FB Demi" panose="020E0802020502020306" pitchFamily="34" charset="0"/>
+              </a:rPr>
+              <a:t>curious</a:t>
+            </a:r>
+            <a:r>
+              <a:rPr lang="fr-FR" sz="2400" dirty="0" smtClean="0">
+                <a:latin typeface="Berlin Sans FB Demi" panose="020E0802020502020306" pitchFamily="34" charset="0"/>
+              </a:rPr>
+              <a:t> of </a:t>
+            </a:r>
+            <a:r>
+              <a:rPr lang="fr-FR" sz="2400" dirty="0" err="1" smtClean="0">
+                <a:latin typeface="Berlin Sans FB Demi" panose="020E0802020502020306" pitchFamily="34" charset="0"/>
+              </a:rPr>
+              <a:t>other</a:t>
+            </a:r>
+            <a:r>
+              <a:rPr lang="fr-FR" sz="2400" dirty="0" smtClean="0">
+                <a:latin typeface="Berlin Sans FB Demi" panose="020E0802020502020306" pitchFamily="34" charset="0"/>
+              </a:rPr>
+              <a:t> </a:t>
+            </a:r>
+            <a:r>
+              <a:rPr lang="fr-FR" sz="2400" dirty="0" err="1" smtClean="0">
+                <a:latin typeface="Berlin Sans FB Demi" panose="020E0802020502020306" pitchFamily="34" charset="0"/>
+              </a:rPr>
+              <a:t>food</a:t>
+            </a:r>
+            <a:r>
+              <a:rPr lang="fr-FR" sz="2400" dirty="0" smtClean="0">
+                <a:latin typeface="Berlin Sans FB Demi" panose="020E0802020502020306" pitchFamily="34" charset="0"/>
+              </a:rPr>
+              <a:t> cultures</a:t>
+            </a:r>
+          </a:p>
+          <a:p>
+            <a:r>
+              <a:rPr lang="fr-FR" sz="2400" dirty="0" err="1" smtClean="0">
+                <a:latin typeface="Berlin Sans FB Demi" panose="020E0802020502020306" pitchFamily="34" charset="0"/>
+              </a:rPr>
+              <a:t>Device</a:t>
+            </a:r>
+            <a:r>
+              <a:rPr lang="fr-FR" sz="2400" dirty="0" smtClean="0">
+                <a:latin typeface="Berlin Sans FB Demi" panose="020E0802020502020306" pitchFamily="34" charset="0"/>
+              </a:rPr>
+              <a:t> </a:t>
+            </a:r>
+            <a:r>
+              <a:rPr lang="fr-FR" sz="2400" dirty="0" err="1" smtClean="0">
                 <a:latin typeface="Berlin Sans FB Demi" panose="020E0802020502020306" pitchFamily="34" charset="0"/>
               </a:rPr>
               <a:t>target</a:t>
             </a:r>
-            <a:endParaRPr lang="fr-FR" sz="3200" dirty="0" smtClean="0">
+            <a:endParaRPr lang="fr-FR" sz="2400" dirty="0" smtClean="0">
               <a:latin typeface="Berlin Sans FB Demi" panose="020E0802020502020306" pitchFamily="34" charset="0"/>
             </a:endParaRPr>
           </a:p>
           <a:p>
-            <a:pPr>
-              <a:lnSpc>
-                <a:spcPct val="200000"/>
-              </a:lnSpc>
-            </a:pPr>
-            <a:r>
-              <a:rPr lang="fr-FR" sz="3200" dirty="0" smtClean="0">
+            <a:r>
+              <a:rPr lang="fr-FR" sz="2400" dirty="0" smtClean="0">
                 <a:latin typeface="Berlin Sans FB Demi" panose="020E0802020502020306" pitchFamily="34" charset="0"/>
               </a:rPr>
-              <a:t>Site content</a:t>
-            </a:r>
-          </a:p>
-          <a:p>
-            <a:pPr>
-              <a:lnSpc>
-                <a:spcPct val="200000"/>
-              </a:lnSpc>
-            </a:pPr>
-            <a:r>
-              <a:rPr lang="fr-FR" sz="3200" dirty="0" err="1" smtClean="0">
-                <a:latin typeface="Berlin Sans FB Demi" panose="020E0802020502020306" pitchFamily="34" charset="0"/>
-              </a:rPr>
-              <a:t>Work</a:t>
-            </a:r>
-            <a:r>
-              <a:rPr lang="fr-FR" sz="3200" dirty="0" smtClean="0">
-                <a:latin typeface="Berlin Sans FB Demi" panose="020E0802020502020306" pitchFamily="34" charset="0"/>
-              </a:rPr>
-              <a:t> distribution</a:t>
-            </a:r>
-          </a:p>
-          <a:p>
-            <a:pPr>
-              <a:lnSpc>
-                <a:spcPct val="200000"/>
-              </a:lnSpc>
-            </a:pPr>
-            <a:r>
-              <a:rPr lang="fr-FR" sz="3200" dirty="0" smtClean="0">
-                <a:latin typeface="Berlin Sans FB Demi" panose="020E0802020502020306" pitchFamily="34" charset="0"/>
-              </a:rPr>
-              <a:t>Conclusion </a:t>
+              <a:t>Franchise</a:t>
             </a:r>
           </a:p>
           <a:p>
@@ -3548,11 +3517,13 @@
       </p:sp>
       <p:pic>
         <p:nvPicPr>
-          <p:cNvPr id="4" name="Image 3"/>
+          <p:cNvPr id="8" name="Espace réservé du contenu 7"/>
           <p:cNvPicPr>
-            <a:picLocks noChangeAspect="1"/>
+            <a:picLocks noGrp="1" noChangeAspect="1"/>
           </p:cNvPicPr>
-          <p:nvPr/>
+          <p:nvPr>
+            <p:ph sz="half" idx="2"/>
+          </p:nvPr>
         </p:nvPicPr>
         <p:blipFill>
           <a:blip r:embed="rId2" cstate="print">
@@ -3568,24 +3539,31 @@
         </p:blipFill>
         <p:spPr>
           <a:xfrm>
-            <a:off x="7410222" y="365126"/>
-            <a:ext cx="1325563" cy="1325563"/>
+            <a:off x="4288221" y="2196661"/>
+            <a:ext cx="4479377" cy="2987710"/>
           </a:xfrm>
-          <a:prstGeom prst="rect">
-            <a:avLst/>
-          </a:prstGeom>
         </p:spPr>
       </p:pic>
     </p:spTree>
     <p:extLst>
       <p:ext uri="{BB962C8B-B14F-4D97-AF65-F5344CB8AC3E}">
-        <p14:creationId xmlns:p14="http://schemas.microsoft.com/office/powerpoint/2010/main" val="4149114917"/>
+        <p14:creationId xmlns:p14="http://schemas.microsoft.com/office/powerpoint/2010/main" val="1448864461"/>
       </p:ext>
     </p:extLst>
   </p:cSld>
   <p:clrMapOvr>
     <a:masterClrMapping/>
   </p:clrMapOvr>
+  <p:transition spd="slow">
+    <p:wipe/>
+  </p:transition>
+  <p:timing>
+    <p:tnLst>
+      <p:par>
+        <p:cTn id="1" dur="indefinite" restart="never" nodeType="tmRoot"/>
+      </p:par>
+    </p:tnLst>
+  </p:timing>
 </p:sld>
 </file>
 
@@ -3616,24 +3594,24 @@
             <p:ph type="title"/>
           </p:nvPr>
         </p:nvSpPr>
-        <p:spPr/>
+        <p:spPr>
+          <a:xfrm>
+            <a:off x="927388" y="375637"/>
+            <a:ext cx="7289223" cy="1325563"/>
+          </a:xfrm>
+        </p:spPr>
         <p:txBody>
           <a:bodyPr>
             <a:normAutofit/>
           </a:bodyPr>
           <a:lstStyle/>
           <a:p>
-            <a:r>
-              <a:rPr lang="fr-FR" sz="4000" dirty="0" err="1" smtClean="0">
+            <a:pPr algn="ctr"/>
+            <a:r>
+              <a:rPr lang="fr-FR" sz="4000" dirty="0">
                 <a:latin typeface="Berlin Sans FB Demi" panose="020E0802020502020306" pitchFamily="34" charset="0"/>
               </a:rPr>
-              <a:t>Presentation</a:t>
-            </a:r>
-            <a:r>
-              <a:rPr lang="fr-FR" sz="4000" dirty="0" smtClean="0">
-                <a:latin typeface="Berlin Sans FB Demi" panose="020E0802020502020306" pitchFamily="34" charset="0"/>
-              </a:rPr>
-              <a:t> of the concept</a:t>
+              <a:t>Site content</a:t>
             </a:r>
             <a:endParaRPr lang="fr-FR" sz="4000" dirty="0">
               <a:latin typeface="Berlin Sans FB Demi" panose="020E0802020502020306" pitchFamily="34" charset="0"/>
@@ -3641,45 +3619,18 @@
           </a:p>
         </p:txBody>
       </p:sp>
-      <p:sp>
-        <p:nvSpPr>
-          <p:cNvPr id="3" name="Espace réservé du contenu 2"/>
-          <p:cNvSpPr>
-            <a:spLocks noGrp="1"/>
-          </p:cNvSpPr>
-          <p:nvPr>
-            <p:ph idx="1"/>
-          </p:nvPr>
-        </p:nvSpPr>
-        <p:spPr/>
-        <p:txBody>
-          <a:bodyPr/>
-          <a:lstStyle/>
-          <a:p>
-            <a:r>
-              <a:rPr lang="fr-FR" dirty="0" smtClean="0"/>
-              <a:t>Photos restaurant </a:t>
-            </a:r>
-            <a:r>
-              <a:rPr lang="fr-FR" dirty="0"/>
-              <a:t>et à coté des tirets</a:t>
-            </a:r>
-          </a:p>
-          <a:p>
-            <a:endParaRPr lang="fr-FR" dirty="0"/>
-          </a:p>
-        </p:txBody>
-      </p:sp>
       <p:pic>
         <p:nvPicPr>
-          <p:cNvPr id="4" name="Image 3"/>
+          <p:cNvPr id="7" name="Espace réservé du contenu 6"/>
           <p:cNvPicPr>
-            <a:picLocks noChangeAspect="1"/>
+            <a:picLocks noGrp="1" noChangeAspect="1"/>
           </p:cNvPicPr>
-          <p:nvPr/>
+          <p:nvPr>
+            <p:ph idx="1"/>
+          </p:nvPr>
         </p:nvPicPr>
         <p:blipFill>
-          <a:blip r:embed="rId2" cstate="print">
+          <a:blip r:embed="rId2">
             <a:extLst>
               <a:ext uri="{28A0092B-C50C-407E-A947-70E740481C1C}">
                 <a14:useLocalDpi xmlns:a14="http://schemas.microsoft.com/office/drawing/2010/main" val="0"/>
@@ -3692,24 +3643,31 @@
         </p:blipFill>
         <p:spPr>
           <a:xfrm>
-            <a:off x="7410222" y="365126"/>
-            <a:ext cx="1325563" cy="1325563"/>
+            <a:off x="628650" y="2033356"/>
+            <a:ext cx="7886700" cy="3935876"/>
           </a:xfrm>
-          <a:prstGeom prst="rect">
-            <a:avLst/>
-          </a:prstGeom>
         </p:spPr>
       </p:pic>
     </p:spTree>
     <p:extLst>
       <p:ext uri="{BB962C8B-B14F-4D97-AF65-F5344CB8AC3E}">
-        <p14:creationId xmlns:p14="http://schemas.microsoft.com/office/powerpoint/2010/main" val="1448864461"/>
+        <p14:creationId xmlns:p14="http://schemas.microsoft.com/office/powerpoint/2010/main" val="2571471880"/>
       </p:ext>
     </p:extLst>
   </p:cSld>
   <p:clrMapOvr>
     <a:masterClrMapping/>
   </p:clrMapOvr>
+  <p:transition spd="slow">
+    <p:wipe/>
+  </p:transition>
+  <p:timing>
+    <p:tnLst>
+      <p:par>
+        <p:cTn id="1" dur="indefinite" restart="never" nodeType="tmRoot"/>
+      </p:par>
+    </p:tnLst>
+  </p:timing>
 </p:sld>
 </file>
 
@@ -3747,53 +3705,18 @@
           </a:bodyPr>
           <a:lstStyle/>
           <a:p>
-            <a:r>
-              <a:rPr lang="fr-FR" sz="4000" dirty="0" err="1" smtClean="0">
+            <a:pPr algn="ctr"/>
+            <a:r>
+              <a:rPr lang="fr-FR" sz="4000" dirty="0" err="1">
                 <a:latin typeface="Berlin Sans FB Demi" panose="020E0802020502020306" pitchFamily="34" charset="0"/>
               </a:rPr>
-              <a:t>What</a:t>
-            </a:r>
-            <a:r>
-              <a:rPr lang="fr-FR" sz="4000" dirty="0" smtClean="0">
+              <a:t>Work</a:t>
+            </a:r>
+            <a:r>
+              <a:rPr lang="fr-FR" sz="4000" dirty="0">
                 <a:latin typeface="Berlin Sans FB Demi" panose="020E0802020502020306" pitchFamily="34" charset="0"/>
               </a:rPr>
-              <a:t> </a:t>
-            </a:r>
-            <a:r>
-              <a:rPr lang="fr-FR" sz="4000" dirty="0" err="1" smtClean="0">
-                <a:latin typeface="Berlin Sans FB Demi" panose="020E0802020502020306" pitchFamily="34" charset="0"/>
-              </a:rPr>
-              <a:t>is</a:t>
-            </a:r>
-            <a:r>
-              <a:rPr lang="fr-FR" sz="4000" dirty="0" smtClean="0">
-                <a:latin typeface="Berlin Sans FB Demi" panose="020E0802020502020306" pitchFamily="34" charset="0"/>
-              </a:rPr>
-              <a:t> </a:t>
-            </a:r>
-            <a:r>
-              <a:rPr lang="fr-FR" sz="4000" dirty="0" err="1" smtClean="0">
-                <a:latin typeface="Berlin Sans FB Demi" panose="020E0802020502020306" pitchFamily="34" charset="0"/>
-              </a:rPr>
-              <a:t>our</a:t>
-            </a:r>
-            <a:r>
-              <a:rPr lang="fr-FR" sz="4000" dirty="0" smtClean="0">
-                <a:latin typeface="Berlin Sans FB Demi" panose="020E0802020502020306" pitchFamily="34" charset="0"/>
-              </a:rPr>
-              <a:t> </a:t>
-            </a:r>
-            <a:r>
-              <a:rPr lang="fr-FR" sz="4000" dirty="0" err="1" smtClean="0">
-                <a:latin typeface="Berlin Sans FB Demi" panose="020E0802020502020306" pitchFamily="34" charset="0"/>
-              </a:rPr>
-              <a:t>target</a:t>
-            </a:r>
-            <a:r>
-              <a:rPr lang="fr-FR" sz="4000" dirty="0" smtClean="0">
-                <a:latin typeface="Berlin Sans FB Demi" panose="020E0802020502020306" pitchFamily="34" charset="0"/>
-              </a:rPr>
-              <a:t> ?</a:t>
+              <a:t> distribution</a:t>
             </a:r>
             <a:endParaRPr lang="fr-FR" sz="4000" dirty="0">
               <a:latin typeface="Berlin Sans FB Demi" panose="020E0802020502020306" pitchFamily="34" charset="0"/>
@@ -3808,7 +3731,7 @@
             <a:spLocks noGrp="1"/>
           </p:cNvSpPr>
           <p:nvPr>
-            <p:ph idx="1"/>
+            <p:ph sz="half" idx="1"/>
           </p:nvPr>
         </p:nvSpPr>
         <p:spPr/>
@@ -3816,21 +3739,28 @@
           <a:bodyPr/>
           <a:lstStyle/>
           <a:p>
-            <a:r>
-              <a:rPr lang="fr-FR" dirty="0" smtClean="0"/>
-              <a:t>Photos gens qui mangent et à coté des tirets</a:t>
-            </a:r>
+            <a:pPr marL="0" indent="0">
+              <a:buNone/>
+            </a:pPr>
+            <a:endParaRPr lang="fr-FR" dirty="0" smtClean="0"/>
+          </a:p>
+          <a:p>
+            <a:pPr marL="0" indent="0">
+              <a:buNone/>
+            </a:pPr>
             <a:endParaRPr lang="fr-FR" dirty="0"/>
           </a:p>
         </p:txBody>
       </p:sp>
       <p:pic>
         <p:nvPicPr>
-          <p:cNvPr id="4" name="Image 3"/>
+          <p:cNvPr id="10" name="Espace réservé du contenu 9"/>
           <p:cNvPicPr>
-            <a:picLocks noChangeAspect="1"/>
+            <a:picLocks noGrp="1" noChangeAspect="1"/>
           </p:cNvPicPr>
-          <p:nvPr/>
+          <p:nvPr>
+            <p:ph sz="half" idx="2"/>
+          </p:nvPr>
         </p:nvPicPr>
         <p:blipFill>
           <a:blip r:embed="rId2" cstate="print">
@@ -3846,24 +3776,314 @@
         </p:blipFill>
         <p:spPr>
           <a:xfrm>
-            <a:off x="7410222" y="365126"/>
-            <a:ext cx="1325563" cy="1325563"/>
+            <a:off x="4416854" y="2564525"/>
+            <a:ext cx="4098496" cy="2732024"/>
           </a:xfrm>
-          <a:prstGeom prst="rect">
-            <a:avLst/>
-          </a:prstGeom>
         </p:spPr>
       </p:pic>
+      <p:graphicFrame>
+        <p:nvGraphicFramePr>
+          <p:cNvPr id="12" name="Tableau 11"/>
+          <p:cNvGraphicFramePr>
+            <a:graphicFrameLocks noGrp="1"/>
+          </p:cNvGraphicFramePr>
+          <p:nvPr>
+            <p:extLst>
+              <p:ext uri="{D42A27DB-BD31-4B8C-83A1-F6EECF244321}">
+                <p14:modId xmlns:p14="http://schemas.microsoft.com/office/powerpoint/2010/main" val="1147633365"/>
+              </p:ext>
+            </p:extLst>
+          </p:nvPr>
+        </p:nvGraphicFramePr>
+        <p:xfrm>
+          <a:off x="628650" y="3148776"/>
+          <a:ext cx="3165584" cy="1705035"/>
+        </p:xfrm>
+        <a:graphic>
+          <a:graphicData uri="http://schemas.openxmlformats.org/drawingml/2006/table">
+            <a:tbl>
+              <a:tblPr firstRow="1" bandRow="1">
+                <a:tableStyleId>{F5AB1C69-6EDB-4FF4-983F-18BD219EF322}</a:tableStyleId>
+              </a:tblPr>
+              <a:tblGrid>
+                <a:gridCol w="3165584">
+                  <a:extLst>
+                    <a:ext uri="{9D8B030D-6E8A-4147-A177-3AD203B41FA5}">
+                      <a16:colId xmlns:a16="http://schemas.microsoft.com/office/drawing/2014/main" val="3724931927"/>
+                    </a:ext>
+                  </a:extLst>
+                </a:gridCol>
+              </a:tblGrid>
+              <a:tr h="568345">
+                <a:tc>
+                  <a:txBody>
+                    <a:bodyPr/>
+                    <a:lstStyle/>
+                    <a:p>
+                      <a:r>
+                        <a:rPr lang="fr-FR" sz="2400" b="0" dirty="0" smtClean="0">
+                          <a:solidFill>
+                            <a:schemeClr val="tx1"/>
+                          </a:solidFill>
+                          <a:latin typeface="Berlin Sans FB Demi" panose="020E0802020502020306" pitchFamily="34" charset="0"/>
+                        </a:rPr>
+                        <a:t>Front</a:t>
+                      </a:r>
+                      <a:r>
+                        <a:rPr lang="fr-FR" sz="2400" b="0" baseline="0" dirty="0" smtClean="0">
+                          <a:solidFill>
+                            <a:schemeClr val="tx1"/>
+                          </a:solidFill>
+                          <a:latin typeface="Berlin Sans FB Demi" panose="020E0802020502020306" pitchFamily="34" charset="0"/>
+                        </a:rPr>
+                        <a:t> end</a:t>
+                      </a:r>
+                      <a:endParaRPr lang="fr-FR" sz="2400" b="0" dirty="0">
+                        <a:solidFill>
+                          <a:schemeClr val="tx1"/>
+                        </a:solidFill>
+                        <a:latin typeface="Berlin Sans FB Demi" panose="020E0802020502020306" pitchFamily="34" charset="0"/>
+                      </a:endParaRPr>
+                    </a:p>
+                  </a:txBody>
+                  <a:tcPr>
+                    <a:lnL w="12700" cap="flat" cmpd="sng" algn="ctr">
+                      <a:solidFill>
+                        <a:schemeClr val="tx1"/>
+                      </a:solidFill>
+                      <a:prstDash val="solid"/>
+                      <a:round/>
+                      <a:headEnd type="none" w="med" len="med"/>
+                      <a:tailEnd type="none" w="med" len="med"/>
+                    </a:lnL>
+                    <a:lnR w="12700" cap="flat" cmpd="sng" algn="ctr">
+                      <a:solidFill>
+                        <a:schemeClr val="tx1"/>
+                      </a:solidFill>
+                      <a:prstDash val="solid"/>
+                      <a:round/>
+                      <a:headEnd type="none" w="med" len="med"/>
+                      <a:tailEnd type="none" w="med" len="med"/>
+                    </a:lnR>
+                    <a:lnT w="12700" cap="flat" cmpd="sng" algn="ctr">
+                      <a:solidFill>
+                        <a:schemeClr val="tx1"/>
+                      </a:solidFill>
+                      <a:prstDash val="solid"/>
+                      <a:round/>
+                      <a:headEnd type="none" w="med" len="med"/>
+                      <a:tailEnd type="none" w="med" len="med"/>
+                    </a:lnT>
+                    <a:lnB w="12700" cap="flat" cmpd="sng" algn="ctr">
+                      <a:solidFill>
+                        <a:schemeClr val="tx1"/>
+                      </a:solidFill>
+                      <a:prstDash val="solid"/>
+                      <a:round/>
+                      <a:headEnd type="none" w="med" len="med"/>
+                      <a:tailEnd type="none" w="med" len="med"/>
+                    </a:lnB>
+                    <a:solidFill>
+                      <a:schemeClr val="bg2">
+                        <a:lumMod val="90000"/>
+                      </a:schemeClr>
+                    </a:solidFill>
+                  </a:tcPr>
+                </a:tc>
+                <a:extLst>
+                  <a:ext uri="{0D108BD9-81ED-4DB2-BD59-A6C34878D82A}">
+                    <a16:rowId xmlns:a16="http://schemas.microsoft.com/office/drawing/2014/main" val="2857655398"/>
+                  </a:ext>
+                </a:extLst>
+              </a:tr>
+              <a:tr h="568345">
+                <a:tc>
+                  <a:txBody>
+                    <a:bodyPr/>
+                    <a:lstStyle/>
+                    <a:p>
+                      <a:r>
+                        <a:rPr lang="fr-FR" sz="2400" dirty="0" smtClean="0">
+                          <a:solidFill>
+                            <a:schemeClr val="tx1"/>
+                          </a:solidFill>
+                          <a:latin typeface="Berlin Sans FB Demi" panose="020E0802020502020306" pitchFamily="34" charset="0"/>
+                        </a:rPr>
+                        <a:t>Back end</a:t>
+                      </a:r>
+                      <a:endParaRPr lang="fr-FR" sz="2400" dirty="0">
+                        <a:solidFill>
+                          <a:schemeClr val="tx1"/>
+                        </a:solidFill>
+                        <a:latin typeface="Berlin Sans FB Demi" panose="020E0802020502020306" pitchFamily="34" charset="0"/>
+                      </a:endParaRPr>
+                    </a:p>
+                  </a:txBody>
+                  <a:tcPr>
+                    <a:lnL w="12700" cap="flat" cmpd="sng" algn="ctr">
+                      <a:solidFill>
+                        <a:schemeClr val="tx1"/>
+                      </a:solidFill>
+                      <a:prstDash val="solid"/>
+                      <a:round/>
+                      <a:headEnd type="none" w="med" len="med"/>
+                      <a:tailEnd type="none" w="med" len="med"/>
+                    </a:lnL>
+                    <a:lnR w="12700" cap="flat" cmpd="sng" algn="ctr">
+                      <a:solidFill>
+                        <a:schemeClr val="tx1"/>
+                      </a:solidFill>
+                      <a:prstDash val="solid"/>
+                      <a:round/>
+                      <a:headEnd type="none" w="med" len="med"/>
+                      <a:tailEnd type="none" w="med" len="med"/>
+                    </a:lnR>
+                    <a:lnT w="12700" cap="flat" cmpd="sng" algn="ctr">
+                      <a:solidFill>
+                        <a:schemeClr val="tx1"/>
+                      </a:solidFill>
+                      <a:prstDash val="solid"/>
+                      <a:round/>
+                      <a:headEnd type="none" w="med" len="med"/>
+                      <a:tailEnd type="none" w="med" len="med"/>
+                    </a:lnT>
+                    <a:lnB w="12700" cap="flat" cmpd="sng" algn="ctr">
+                      <a:solidFill>
+                        <a:schemeClr val="tx1"/>
+                      </a:solidFill>
+                      <a:prstDash val="solid"/>
+                      <a:round/>
+                      <a:headEnd type="none" w="med" len="med"/>
+                      <a:tailEnd type="none" w="med" len="med"/>
+                    </a:lnB>
+                    <a:solidFill>
+                      <a:schemeClr val="bg2">
+                        <a:lumMod val="90000"/>
+                      </a:schemeClr>
+                    </a:solidFill>
+                  </a:tcPr>
+                </a:tc>
+                <a:extLst>
+                  <a:ext uri="{0D108BD9-81ED-4DB2-BD59-A6C34878D82A}">
+                    <a16:rowId xmlns:a16="http://schemas.microsoft.com/office/drawing/2014/main" val="2138747085"/>
+                  </a:ext>
+                </a:extLst>
+              </a:tr>
+              <a:tr h="568345">
+                <a:tc>
+                  <a:txBody>
+                    <a:bodyPr/>
+                    <a:lstStyle/>
+                    <a:p>
+                      <a:r>
+                        <a:rPr lang="fr-FR" sz="2400" dirty="0" err="1" smtClean="0">
+                          <a:solidFill>
+                            <a:schemeClr val="tx1"/>
+                          </a:solidFill>
+                          <a:latin typeface="Berlin Sans FB Demi" panose="020E0802020502020306" pitchFamily="34" charset="0"/>
+                        </a:rPr>
+                        <a:t>Containt</a:t>
+                      </a:r>
+                      <a:r>
+                        <a:rPr lang="fr-FR" sz="2400" baseline="0" dirty="0" smtClean="0">
+                          <a:solidFill>
+                            <a:schemeClr val="tx1"/>
+                          </a:solidFill>
+                          <a:latin typeface="Berlin Sans FB Demi" panose="020E0802020502020306" pitchFamily="34" charset="0"/>
+                        </a:rPr>
+                        <a:t> </a:t>
+                      </a:r>
+                      <a:r>
+                        <a:rPr lang="fr-FR" sz="2400" baseline="0" dirty="0" err="1" smtClean="0">
+                          <a:solidFill>
+                            <a:schemeClr val="tx1"/>
+                          </a:solidFill>
+                          <a:latin typeface="Berlin Sans FB Demi" panose="020E0802020502020306" pitchFamily="34" charset="0"/>
+                        </a:rPr>
+                        <a:t>search</a:t>
+                      </a:r>
+                      <a:endParaRPr lang="fr-FR" sz="2400" dirty="0">
+                        <a:solidFill>
+                          <a:schemeClr val="tx1"/>
+                        </a:solidFill>
+                        <a:latin typeface="Berlin Sans FB Demi" panose="020E0802020502020306" pitchFamily="34" charset="0"/>
+                      </a:endParaRPr>
+                    </a:p>
+                  </a:txBody>
+                  <a:tcPr>
+                    <a:lnL w="12700" cap="flat" cmpd="sng" algn="ctr">
+                      <a:solidFill>
+                        <a:schemeClr val="tx1"/>
+                      </a:solidFill>
+                      <a:prstDash val="solid"/>
+                      <a:round/>
+                      <a:headEnd type="none" w="med" len="med"/>
+                      <a:tailEnd type="none" w="med" len="med"/>
+                    </a:lnL>
+                    <a:lnR w="12700" cap="flat" cmpd="sng" algn="ctr">
+                      <a:solidFill>
+                        <a:schemeClr val="tx1"/>
+                      </a:solidFill>
+                      <a:prstDash val="solid"/>
+                      <a:round/>
+                      <a:headEnd type="none" w="med" len="med"/>
+                      <a:tailEnd type="none" w="med" len="med"/>
+                    </a:lnR>
+                    <a:lnT w="12700" cap="flat" cmpd="sng" algn="ctr">
+                      <a:solidFill>
+                        <a:schemeClr val="tx1"/>
+                      </a:solidFill>
+                      <a:prstDash val="solid"/>
+                      <a:round/>
+                      <a:headEnd type="none" w="med" len="med"/>
+                      <a:tailEnd type="none" w="med" len="med"/>
+                    </a:lnT>
+                    <a:lnB w="12700" cap="flat" cmpd="sng" algn="ctr">
+                      <a:solidFill>
+                        <a:schemeClr val="tx1"/>
+                      </a:solidFill>
+                      <a:prstDash val="solid"/>
+                      <a:round/>
+                      <a:headEnd type="none" w="med" len="med"/>
+                      <a:tailEnd type="none" w="med" len="med"/>
+                    </a:lnB>
+                    <a:solidFill>
+                      <a:schemeClr val="bg2">
+                        <a:lumMod val="90000"/>
+                      </a:schemeClr>
+                    </a:solidFill>
+                  </a:tcPr>
+                </a:tc>
+                <a:extLst>
+                  <a:ext uri="{0D108BD9-81ED-4DB2-BD59-A6C34878D82A}">
+                    <a16:rowId xmlns:a16="http://schemas.microsoft.com/office/drawing/2014/main" val="2361764222"/>
+                  </a:ext>
+                </a:extLst>
+              </a:tr>
+            </a:tbl>
+          </a:graphicData>
+        </a:graphic>
+      </p:graphicFrame>
     </p:spTree>
     <p:extLst>
       <p:ext uri="{BB962C8B-B14F-4D97-AF65-F5344CB8AC3E}">
-        <p14:creationId xmlns:p14="http://schemas.microsoft.com/office/powerpoint/2010/main" val="2723504913"/>
+        <p14:creationId xmlns:p14="http://schemas.microsoft.com/office/powerpoint/2010/main" val="2302144568"/>
       </p:ext>
     </p:extLst>
   </p:cSld>
   <p:clrMapOvr>
     <a:masterClrMapping/>
   </p:clrMapOvr>
+  <p:transition spd="slow">
+    <p:wipe/>
+  </p:transition>
+  <p:timing>
+    <p:tnLst>
+      <p:par>
+        <p:cTn id="1" dur="indefinite" restart="never" nodeType="tmRoot"/>
+      </p:par>
+    </p:tnLst>
+  </p:timing>
 </p:sld>
 </file>
 
@@ -3894,18 +4114,24 @@
             <p:ph type="title"/>
           </p:nvPr>
         </p:nvSpPr>
-        <p:spPr/>
+        <p:spPr>
+          <a:xfrm>
+            <a:off x="927388" y="417678"/>
+            <a:ext cx="7289223" cy="1325563"/>
+          </a:xfrm>
+        </p:spPr>
         <p:txBody>
           <a:bodyPr>
             <a:normAutofit/>
           </a:bodyPr>
           <a:lstStyle/>
           <a:p>
-            <a:r>
-              <a:rPr lang="fr-FR" sz="4000" dirty="0" smtClean="0">
+            <a:pPr algn="ctr"/>
+            <a:r>
+              <a:rPr lang="fr-FR" sz="4000" dirty="0">
                 <a:latin typeface="Berlin Sans FB Demi" panose="020E0802020502020306" pitchFamily="34" charset="0"/>
               </a:rPr>
-              <a:t>Site content</a:t>
+              <a:t>Conclusion</a:t>
             </a:r>
             <a:endParaRPr lang="fr-FR" sz="4000" dirty="0">
               <a:latin typeface="Berlin Sans FB Demi" panose="020E0802020502020306" pitchFamily="34" charset="0"/>
@@ -3925,57 +4151,109 @@
         </p:nvSpPr>
         <p:spPr/>
         <p:txBody>
-          <a:bodyPr/>
-          <a:lstStyle/>
-          <a:p>
-            <a:r>
-              <a:rPr lang="fr-FR" dirty="0" smtClean="0"/>
-              <a:t>Capture d’écran du site</a:t>
-            </a:r>
-            <a:endParaRPr lang="fr-FR" dirty="0"/>
-          </a:p>
-        </p:txBody>
-      </p:sp>
-      <p:pic>
-        <p:nvPicPr>
-          <p:cNvPr id="4" name="Image 3"/>
-          <p:cNvPicPr>
-            <a:picLocks noChangeAspect="1"/>
-          </p:cNvPicPr>
-          <p:nvPr/>
-        </p:nvPicPr>
-        <p:blipFill>
-          <a:blip r:embed="rId2" cstate="print">
-            <a:extLst>
-              <a:ext uri="{28A0092B-C50C-407E-A947-70E740481C1C}">
-                <a14:useLocalDpi xmlns:a14="http://schemas.microsoft.com/office/drawing/2010/main" val="0"/>
-              </a:ext>
-            </a:extLst>
-          </a:blip>
-          <a:stretch>
-            <a:fillRect/>
-          </a:stretch>
-        </p:blipFill>
-        <p:spPr>
-          <a:xfrm>
-            <a:off x="7410222" y="365126"/>
-            <a:ext cx="1325563" cy="1325563"/>
-          </a:xfrm>
-          <a:prstGeom prst="rect">
-            <a:avLst/>
-          </a:prstGeom>
-        </p:spPr>
-      </p:pic>
+          <a:bodyPr anchor="ctr">
+            <a:normAutofit/>
+          </a:bodyPr>
+          <a:lstStyle/>
+          <a:p>
+            <a:pPr>
+              <a:lnSpc>
+                <a:spcPct val="250000"/>
+              </a:lnSpc>
+            </a:pPr>
+            <a:r>
+              <a:rPr lang="fr-FR" sz="2400" dirty="0" err="1" smtClean="0">
+                <a:latin typeface="Berlin Sans FB Demi" panose="020E0802020502020306" pitchFamily="34" charset="0"/>
+              </a:rPr>
+              <a:t>Difficulties</a:t>
+            </a:r>
+            <a:r>
+              <a:rPr lang="fr-FR" sz="2400" dirty="0" smtClean="0">
+                <a:latin typeface="Berlin Sans FB Demi" panose="020E0802020502020306" pitchFamily="34" charset="0"/>
+              </a:rPr>
+              <a:t> </a:t>
+            </a:r>
+            <a:r>
+              <a:rPr lang="fr-FR" sz="2400" dirty="0" err="1" smtClean="0">
+                <a:latin typeface="Berlin Sans FB Demi" panose="020E0802020502020306" pitchFamily="34" charset="0"/>
+              </a:rPr>
+              <a:t>encountered</a:t>
+            </a:r>
+            <a:r>
+              <a:rPr lang="fr-FR" sz="2400" dirty="0" smtClean="0">
+                <a:latin typeface="Berlin Sans FB Demi" panose="020E0802020502020306" pitchFamily="34" charset="0"/>
+              </a:rPr>
+              <a:t> and how to </a:t>
+            </a:r>
+            <a:r>
+              <a:rPr lang="fr-FR" sz="2400" dirty="0" err="1" smtClean="0">
+                <a:latin typeface="Berlin Sans FB Demi" panose="020E0802020502020306" pitchFamily="34" charset="0"/>
+              </a:rPr>
+              <a:t>solve</a:t>
+            </a:r>
+            <a:r>
+              <a:rPr lang="fr-FR" sz="2400" dirty="0" smtClean="0">
+                <a:latin typeface="Berlin Sans FB Demi" panose="020E0802020502020306" pitchFamily="34" charset="0"/>
+              </a:rPr>
+              <a:t> </a:t>
+            </a:r>
+            <a:r>
+              <a:rPr lang="fr-FR" sz="2400" dirty="0" err="1" smtClean="0">
+                <a:latin typeface="Berlin Sans FB Demi" panose="020E0802020502020306" pitchFamily="34" charset="0"/>
+              </a:rPr>
+              <a:t>them</a:t>
+            </a:r>
+            <a:r>
+              <a:rPr lang="fr-FR" sz="2400" dirty="0" smtClean="0">
+                <a:latin typeface="Berlin Sans FB Demi" panose="020E0802020502020306" pitchFamily="34" charset="0"/>
+              </a:rPr>
+              <a:t> </a:t>
+            </a:r>
+          </a:p>
+          <a:p>
+            <a:pPr>
+              <a:lnSpc>
+                <a:spcPct val="250000"/>
+              </a:lnSpc>
+            </a:pPr>
+            <a:r>
+              <a:rPr lang="fr-FR" sz="2400" dirty="0" smtClean="0">
+                <a:latin typeface="Berlin Sans FB Demi" panose="020E0802020502020306" pitchFamily="34" charset="0"/>
+              </a:rPr>
+              <a:t>Progress </a:t>
+            </a:r>
+            <a:r>
+              <a:rPr lang="fr-FR" sz="2400" dirty="0" err="1" smtClean="0">
+                <a:latin typeface="Berlin Sans FB Demi" panose="020E0802020502020306" pitchFamily="34" charset="0"/>
+              </a:rPr>
+              <a:t>noted</a:t>
+            </a:r>
+            <a:endParaRPr lang="fr-FR" sz="2400" dirty="0">
+              <a:latin typeface="Berlin Sans FB Demi" panose="020E0802020502020306" pitchFamily="34" charset="0"/>
+            </a:endParaRPr>
+          </a:p>
+        </p:txBody>
+      </p:sp>
     </p:spTree>
     <p:extLst>
       <p:ext uri="{BB962C8B-B14F-4D97-AF65-F5344CB8AC3E}">
-        <p14:creationId xmlns:p14="http://schemas.microsoft.com/office/powerpoint/2010/main" val="2571471880"/>
+        <p14:creationId xmlns:p14="http://schemas.microsoft.com/office/powerpoint/2010/main" val="2669510292"/>
       </p:ext>
     </p:extLst>
   </p:cSld>
   <p:clrMapOvr>
     <a:masterClrMapping/>
   </p:clrMapOvr>
+  <p:transition spd="slow">
+    <p:wipe/>
+  </p:transition>
+  <p:timing>
+    <p:tnLst>
+      <p:par>
+        <p:cTn id="1" dur="indefinite" restart="never" nodeType="tmRoot"/>
+      </p:par>
+    </p:tnLst>
+  </p:timing>
 </p:sld>
 </file>
 
@@ -3998,7 +4276,7 @@
       </p:grpSpPr>
       <p:sp>
         <p:nvSpPr>
-          <p:cNvPr id="2" name="Titre 1"/>
+          <p:cNvPr id="4" name="Titre 3"/>
           <p:cNvSpPr>
             <a:spLocks noGrp="1"/>
           </p:cNvSpPr>
@@ -4006,111 +4284,84 @@
             <p:ph type="title"/>
           </p:nvPr>
         </p:nvSpPr>
-        <p:spPr/>
-        <p:txBody>
-          <a:bodyPr>
-            <a:normAutofit/>
-          </a:bodyPr>
-          <a:lstStyle/>
-          <a:p>
-            <a:r>
-              <a:rPr lang="fr-FR" sz="4000" dirty="0" err="1" smtClean="0">
+        <p:spPr>
+          <a:xfrm>
+            <a:off x="667431" y="2145170"/>
+            <a:ext cx="7886700" cy="2852737"/>
+          </a:xfrm>
+        </p:spPr>
+        <p:txBody>
+          <a:bodyPr/>
+          <a:lstStyle/>
+          <a:p>
+            <a:pPr algn="ctr"/>
+            <a:r>
+              <a:rPr lang="fr-FR" dirty="0" err="1">
                 <a:latin typeface="Berlin Sans FB Demi" panose="020E0802020502020306" pitchFamily="34" charset="0"/>
               </a:rPr>
-              <a:t>Work</a:t>
-            </a:r>
-            <a:r>
-              <a:rPr lang="fr-FR" sz="4000" dirty="0" smtClean="0">
+              <a:t>Thank</a:t>
+            </a:r>
+            <a:r>
+              <a:rPr lang="fr-FR" dirty="0">
                 <a:latin typeface="Berlin Sans FB Demi" panose="020E0802020502020306" pitchFamily="34" charset="0"/>
               </a:rPr>
-              <a:t> distribution</a:t>
-            </a:r>
-            <a:endParaRPr lang="fr-FR" sz="4000" dirty="0">
-              <a:latin typeface="Berlin Sans FB Demi" panose="020E0802020502020306" pitchFamily="34" charset="0"/>
-            </a:endParaRPr>
-          </a:p>
-        </p:txBody>
-      </p:sp>
-      <p:sp>
-        <p:nvSpPr>
-          <p:cNvPr id="3" name="Espace réservé du contenu 2"/>
-          <p:cNvSpPr>
-            <a:spLocks noGrp="1"/>
-          </p:cNvSpPr>
-          <p:nvPr>
-            <p:ph idx="1"/>
-          </p:nvPr>
-        </p:nvSpPr>
-        <p:spPr/>
-        <p:txBody>
-          <a:bodyPr/>
-          <a:lstStyle/>
-          <a:p>
-            <a:r>
-              <a:rPr lang="fr-FR" dirty="0" err="1" smtClean="0"/>
-              <a:t>Between</a:t>
-            </a:r>
-            <a:r>
-              <a:rPr lang="fr-FR" dirty="0" smtClean="0"/>
               <a:t> </a:t>
             </a:r>
             <a:r>
-              <a:rPr lang="fr-FR" dirty="0" err="1" smtClean="0"/>
-              <a:t>students</a:t>
-            </a:r>
-            <a:endParaRPr lang="fr-FR" dirty="0" smtClean="0"/>
-          </a:p>
-          <a:p>
-            <a:r>
-              <a:rPr lang="fr-FR" dirty="0" smtClean="0"/>
-              <a:t>Tableau des tâches </a:t>
-            </a:r>
-          </a:p>
-          <a:p>
+              <a:rPr lang="fr-FR" dirty="0" err="1">
+                <a:latin typeface="Berlin Sans FB Demi" panose="020E0802020502020306" pitchFamily="34" charset="0"/>
+              </a:rPr>
+              <a:t>you</a:t>
+            </a:r>
+            <a:r>
+              <a:rPr lang="fr-FR" dirty="0">
+                <a:latin typeface="Berlin Sans FB Demi" panose="020E0802020502020306" pitchFamily="34" charset="0"/>
+              </a:rPr>
+              <a:t> for </a:t>
+            </a:r>
+            <a:r>
+              <a:rPr lang="fr-FR" dirty="0" err="1">
+                <a:latin typeface="Berlin Sans FB Demi" panose="020E0802020502020306" pitchFamily="34" charset="0"/>
+              </a:rPr>
+              <a:t>your</a:t>
+            </a:r>
+            <a:r>
+              <a:rPr lang="fr-FR" dirty="0">
+                <a:latin typeface="Berlin Sans FB Demi" panose="020E0802020502020306" pitchFamily="34" charset="0"/>
+              </a:rPr>
+              <a:t> attention</a:t>
+            </a:r>
+            <a:r>
+              <a:rPr lang="fr-FR" dirty="0"/>
+              <a:t/>
+            </a:r>
+            <a:br>
+              <a:rPr lang="fr-FR" dirty="0"/>
+            </a:br>
             <a:endParaRPr lang="fr-FR" dirty="0"/>
           </a:p>
         </p:txBody>
       </p:sp>
-      <p:pic>
-        <p:nvPicPr>
-          <p:cNvPr id="4" name="Image 3"/>
-          <p:cNvPicPr>
-            <a:picLocks noChangeAspect="1"/>
-          </p:cNvPicPr>
-          <p:nvPr/>
-        </p:nvPicPr>
-        <p:blipFill>
-          <a:blip r:embed="rId2" cstate="print">
-            <a:extLst>
-              <a:ext uri="{28A0092B-C50C-407E-A947-70E740481C1C}">
-                <a14:useLocalDpi xmlns:a14="http://schemas.microsoft.com/office/drawing/2010/main" val="0"/>
-              </a:ext>
-            </a:extLst>
-          </a:blip>
-          <a:stretch>
-            <a:fillRect/>
-          </a:stretch>
-        </p:blipFill>
-        <p:spPr>
-          <a:xfrm>
-            <a:off x="7410222" y="365126"/>
-            <a:ext cx="1325563" cy="1325563"/>
-          </a:xfrm>
-          <a:prstGeom prst="rect">
-            <a:avLst/>
-          </a:prstGeom>
-        </p:spPr>
-      </p:pic>
     </p:spTree>
     <p:extLst>
       <p:ext uri="{BB962C8B-B14F-4D97-AF65-F5344CB8AC3E}">
-        <p14:creationId xmlns:p14="http://schemas.microsoft.com/office/powerpoint/2010/main" val="2302144568"/>
+        <p14:creationId xmlns:p14="http://schemas.microsoft.com/office/powerpoint/2010/main" val="3864918447"/>
       </p:ext>
     </p:extLst>
   </p:cSld>
   <p:clrMapOvr>
     <a:masterClrMapping/>
   </p:clrMapOvr>
+  <p:transition spd="slow">
+    <p:wipe/>
+  </p:transition>
+  <p:timing>
+    <p:tnLst>
+      <p:par>
+        <p:cTn id="1" dur="indefinite" restart="never" nodeType="tmRoot"/>
+      </p:par>
+    </p:tnLst>
+  </p:timing>
 </p:sld>
 </file>
 
@@ -4143,37 +4394,21 @@
         </p:nvSpPr>
         <p:spPr/>
         <p:txBody>
-          <a:bodyPr>
-            <a:normAutofit/>
-          </a:bodyPr>
-          <a:lstStyle/>
-          <a:p>
-            <a:r>
-              <a:rPr lang="fr-FR" sz="4000" dirty="0" err="1" smtClean="0">
-                <a:latin typeface="Berlin Sans FB Demi" panose="020E0802020502020306" pitchFamily="34" charset="0"/>
-              </a:rPr>
-              <a:t>Work</a:t>
-            </a:r>
-            <a:r>
-              <a:rPr lang="fr-FR" sz="4000" dirty="0" smtClean="0">
-                <a:latin typeface="Berlin Sans FB Demi" panose="020E0802020502020306" pitchFamily="34" charset="0"/>
-              </a:rPr>
-              <a:t> distribution </a:t>
-            </a:r>
-            <a:endParaRPr lang="fr-FR" sz="4000" dirty="0">
-              <a:latin typeface="Berlin Sans FB Demi" panose="020E0802020502020306" pitchFamily="34" charset="0"/>
-            </a:endParaRPr>
-          </a:p>
-        </p:txBody>
-      </p:sp>
-      <p:sp>
-        <p:nvSpPr>
-          <p:cNvPr id="3" name="Espace réservé du contenu 2"/>
-          <p:cNvSpPr>
-            <a:spLocks noGrp="1"/>
-          </p:cNvSpPr>
-          <p:nvPr>
-            <p:ph idx="1"/>
+          <a:bodyPr/>
+          <a:lstStyle/>
+          <a:p>
+            <a:endParaRPr lang="fr-FR"/>
+          </a:p>
+        </p:txBody>
+      </p:sp>
+      <p:sp>
+        <p:nvSpPr>
+          <p:cNvPr id="3" name="Espace réservé du texte 2"/>
+          <p:cNvSpPr>
+            <a:spLocks noGrp="1"/>
+          </p:cNvSpPr>
+          <p:nvPr>
+            <p:ph type="body" idx="1"/>
           </p:nvPr>
         </p:nvSpPr>
         <p:spPr/>
@@ -4181,17 +4416,7 @@
           <a:bodyPr/>
           <a:lstStyle/>
           <a:p>
-            <a:r>
-              <a:rPr lang="fr-FR" dirty="0" smtClean="0"/>
-              <a:t>Over time</a:t>
-            </a:r>
-          </a:p>
-          <a:p>
-            <a:r>
-              <a:rPr lang="fr-FR" dirty="0" smtClean="0"/>
-              <a:t>Emploi du temps</a:t>
-            </a:r>
-            <a:endParaRPr lang="fr-FR" dirty="0"/>
+            <a:endParaRPr lang="fr-FR"/>
           </a:p>
         </p:txBody>
       </p:sp>
@@ -4204,7 +4429,7 @@
           <p:nvPr/>
         </p:nvPicPr>
         <p:blipFill>
-          <a:blip r:embed="rId2" cstate="print">
+          <a:blip r:embed="rId2">
             <a:extLst>
               <a:ext uri="{28A0092B-C50C-407E-A947-70E740481C1C}">
                 <a14:useLocalDpi xmlns:a14="http://schemas.microsoft.com/office/drawing/2010/main" val="0"/>
@@ -4217,8 +4442,8 @@
         </p:blipFill>
         <p:spPr>
           <a:xfrm>
-            <a:off x="7410222" y="365126"/>
-            <a:ext cx="1325563" cy="1325563"/>
+            <a:off x="2496407" y="1415518"/>
+            <a:ext cx="3995043" cy="3995043"/>
           </a:xfrm>
           <a:prstGeom prst="rect">
             <a:avLst/>
@@ -4228,306 +4453,23 @@
     </p:spTree>
     <p:extLst>
       <p:ext uri="{BB962C8B-B14F-4D97-AF65-F5344CB8AC3E}">
-        <p14:creationId xmlns:p14="http://schemas.microsoft.com/office/powerpoint/2010/main" val="2270153853"/>
+        <p14:creationId xmlns:p14="http://schemas.microsoft.com/office/powerpoint/2010/main" val="309694934"/>
       </p:ext>
     </p:extLst>
   </p:cSld>
   <p:clrMapOvr>
     <a:masterClrMapping/>
   </p:clrMapOvr>
-</p:sld>
-</file>
-
-<file path=ppt/slides/slide8.xml><?xml version="1.0" encoding="utf-8"?>
-<p:sld xmlns:a="http://schemas.openxmlformats.org/drawingml/2006/main" xmlns:r="http://schemas.openxmlformats.org/officeDocument/2006/relationships" xmlns:p="http://schemas.openxmlformats.org/presentationml/2006/main">
-  <p:cSld>
-    <p:spTree>
-      <p:nvGrpSpPr>
-        <p:cNvPr id="1" name=""/>
-        <p:cNvGrpSpPr/>
-        <p:nvPr/>
-      </p:nvGrpSpPr>
-      <p:grpSpPr>
-        <a:xfrm>
-          <a:off x="0" y="0"/>
-          <a:ext cx="0" cy="0"/>
-          <a:chOff x="0" y="0"/>
-          <a:chExt cx="0" cy="0"/>
-        </a:xfrm>
-      </p:grpSpPr>
-      <p:sp>
-        <p:nvSpPr>
-          <p:cNvPr id="2" name="Titre 1"/>
-          <p:cNvSpPr>
-            <a:spLocks noGrp="1"/>
-          </p:cNvSpPr>
-          <p:nvPr>
-            <p:ph type="title"/>
-          </p:nvPr>
-        </p:nvSpPr>
-        <p:spPr/>
-        <p:txBody>
-          <a:bodyPr>
-            <a:normAutofit/>
-          </a:bodyPr>
-          <a:lstStyle/>
-          <a:p>
-            <a:r>
-              <a:rPr lang="fr-FR" sz="4000" dirty="0" smtClean="0">
-                <a:latin typeface="Berlin Sans FB Demi" panose="020E0802020502020306" pitchFamily="34" charset="0"/>
-              </a:rPr>
-              <a:t>Conclusion</a:t>
-            </a:r>
-            <a:endParaRPr lang="fr-FR" sz="4000" dirty="0">
-              <a:latin typeface="Berlin Sans FB Demi" panose="020E0802020502020306" pitchFamily="34" charset="0"/>
-            </a:endParaRPr>
-          </a:p>
-        </p:txBody>
-      </p:sp>
-      <p:sp>
-        <p:nvSpPr>
-          <p:cNvPr id="3" name="Espace réservé du contenu 2"/>
-          <p:cNvSpPr>
-            <a:spLocks noGrp="1"/>
-          </p:cNvSpPr>
-          <p:nvPr>
-            <p:ph idx="1"/>
-          </p:nvPr>
-        </p:nvSpPr>
-        <p:spPr/>
-        <p:txBody>
-          <a:bodyPr/>
-          <a:lstStyle/>
-          <a:p>
-            <a:r>
-              <a:rPr lang="fr-FR" dirty="0" err="1" smtClean="0"/>
-              <a:t>Difficulties</a:t>
-            </a:r>
-            <a:r>
-              <a:rPr lang="fr-FR" dirty="0" smtClean="0"/>
-              <a:t> </a:t>
-            </a:r>
-            <a:r>
-              <a:rPr lang="fr-FR" dirty="0" err="1" smtClean="0"/>
-              <a:t>encountered</a:t>
-            </a:r>
-            <a:r>
-              <a:rPr lang="fr-FR" dirty="0" smtClean="0"/>
-              <a:t> and how to </a:t>
-            </a:r>
-            <a:r>
-              <a:rPr lang="fr-FR" dirty="0" err="1" smtClean="0"/>
-              <a:t>solve</a:t>
-            </a:r>
-            <a:r>
-              <a:rPr lang="fr-FR" dirty="0" smtClean="0"/>
-              <a:t> </a:t>
-            </a:r>
-            <a:r>
-              <a:rPr lang="fr-FR" dirty="0" err="1" smtClean="0"/>
-              <a:t>them</a:t>
-            </a:r>
-            <a:r>
-              <a:rPr lang="fr-FR" dirty="0" smtClean="0"/>
-              <a:t> </a:t>
-            </a:r>
-          </a:p>
-          <a:p>
-            <a:pPr>
-              <a:buFontTx/>
-              <a:buChar char="-"/>
-            </a:pPr>
-            <a:r>
-              <a:rPr lang="fr-FR" dirty="0" smtClean="0"/>
-              <a:t>Insertion et mise en relation des données</a:t>
-            </a:r>
-          </a:p>
-          <a:p>
-            <a:pPr>
-              <a:buFontTx/>
-              <a:buChar char="-"/>
-            </a:pPr>
-            <a:r>
-              <a:rPr lang="fr-FR" dirty="0" smtClean="0"/>
-              <a:t>Mélange des méthodes de travail</a:t>
-            </a:r>
-            <a:endParaRPr lang="fr-FR" dirty="0"/>
-          </a:p>
-        </p:txBody>
-      </p:sp>
-      <p:pic>
-        <p:nvPicPr>
-          <p:cNvPr id="4" name="Image 3"/>
-          <p:cNvPicPr>
-            <a:picLocks noChangeAspect="1"/>
-          </p:cNvPicPr>
-          <p:nvPr/>
-        </p:nvPicPr>
-        <p:blipFill>
-          <a:blip r:embed="rId2" cstate="print">
-            <a:extLst>
-              <a:ext uri="{28A0092B-C50C-407E-A947-70E740481C1C}">
-                <a14:useLocalDpi xmlns:a14="http://schemas.microsoft.com/office/drawing/2010/main" val="0"/>
-              </a:ext>
-            </a:extLst>
-          </a:blip>
-          <a:stretch>
-            <a:fillRect/>
-          </a:stretch>
-        </p:blipFill>
-        <p:spPr>
-          <a:xfrm>
-            <a:off x="7410222" y="365126"/>
-            <a:ext cx="1325563" cy="1325563"/>
-          </a:xfrm>
-          <a:prstGeom prst="rect">
-            <a:avLst/>
-          </a:prstGeom>
-        </p:spPr>
-      </p:pic>
-    </p:spTree>
-    <p:extLst>
-      <p:ext uri="{BB962C8B-B14F-4D97-AF65-F5344CB8AC3E}">
-        <p14:creationId xmlns:p14="http://schemas.microsoft.com/office/powerpoint/2010/main" val="2669510292"/>
-      </p:ext>
-    </p:extLst>
-  </p:cSld>
-  <p:clrMapOvr>
-    <a:masterClrMapping/>
-  </p:clrMapOvr>
-</p:sld>
-</file>
-
-<file path=ppt/slides/slide9.xml><?xml version="1.0" encoding="utf-8"?>
-<p:sld xmlns:a="http://schemas.openxmlformats.org/drawingml/2006/main" xmlns:r="http://schemas.openxmlformats.org/officeDocument/2006/relationships" xmlns:p="http://schemas.openxmlformats.org/presentationml/2006/main">
-  <p:cSld>
-    <p:spTree>
-      <p:nvGrpSpPr>
-        <p:cNvPr id="1" name=""/>
-        <p:cNvGrpSpPr/>
-        <p:nvPr/>
-      </p:nvGrpSpPr>
-      <p:grpSpPr>
-        <a:xfrm>
-          <a:off x="0" y="0"/>
-          <a:ext cx="0" cy="0"/>
-          <a:chOff x="0" y="0"/>
-          <a:chExt cx="0" cy="0"/>
-        </a:xfrm>
-      </p:grpSpPr>
-      <p:sp>
-        <p:nvSpPr>
-          <p:cNvPr id="2" name="Titre 1"/>
-          <p:cNvSpPr>
-            <a:spLocks noGrp="1"/>
-          </p:cNvSpPr>
-          <p:nvPr>
-            <p:ph type="title"/>
-          </p:nvPr>
-        </p:nvSpPr>
-        <p:spPr/>
-        <p:txBody>
-          <a:bodyPr>
-            <a:normAutofit/>
-          </a:bodyPr>
-          <a:lstStyle/>
-          <a:p>
-            <a:r>
-              <a:rPr lang="fr-FR" sz="4000" dirty="0" smtClean="0">
-                <a:latin typeface="Berlin Sans FB Demi" panose="020E0802020502020306" pitchFamily="34" charset="0"/>
-              </a:rPr>
-              <a:t>Conclusion</a:t>
-            </a:r>
-            <a:endParaRPr lang="fr-FR" sz="4000" dirty="0">
-              <a:latin typeface="Berlin Sans FB Demi" panose="020E0802020502020306" pitchFamily="34" charset="0"/>
-            </a:endParaRPr>
-          </a:p>
-        </p:txBody>
-      </p:sp>
-      <p:sp>
-        <p:nvSpPr>
-          <p:cNvPr id="3" name="Espace réservé du contenu 2"/>
-          <p:cNvSpPr>
-            <a:spLocks noGrp="1"/>
-          </p:cNvSpPr>
-          <p:nvPr>
-            <p:ph idx="1"/>
-          </p:nvPr>
-        </p:nvSpPr>
-        <p:spPr/>
-        <p:txBody>
-          <a:bodyPr/>
-          <a:lstStyle/>
-          <a:p>
-            <a:r>
-              <a:rPr lang="fr-FR" dirty="0" smtClean="0"/>
-              <a:t>Progress </a:t>
-            </a:r>
-            <a:r>
-              <a:rPr lang="fr-FR" dirty="0" err="1" smtClean="0"/>
-              <a:t>noted</a:t>
-            </a:r>
-            <a:endParaRPr lang="fr-FR" dirty="0" smtClean="0"/>
-          </a:p>
-          <a:p>
-            <a:pPr>
-              <a:buFontTx/>
-              <a:buChar char="-"/>
-            </a:pPr>
-            <a:r>
-              <a:rPr lang="fr-FR" dirty="0" smtClean="0"/>
-              <a:t>Intégration d’une base de données dans du html</a:t>
-            </a:r>
-          </a:p>
-          <a:p>
-            <a:pPr>
-              <a:buFontTx/>
-              <a:buChar char="-"/>
-            </a:pPr>
-            <a:endParaRPr lang="fr-FR" dirty="0"/>
-          </a:p>
-        </p:txBody>
-      </p:sp>
-      <p:pic>
-        <p:nvPicPr>
-          <p:cNvPr id="4" name="Image 3"/>
-          <p:cNvPicPr>
-            <a:picLocks noChangeAspect="1"/>
-          </p:cNvPicPr>
-          <p:nvPr/>
-        </p:nvPicPr>
-        <p:blipFill>
-          <a:blip r:embed="rId2" cstate="print">
-            <a:extLst>
-              <a:ext uri="{28A0092B-C50C-407E-A947-70E740481C1C}">
-                <a14:useLocalDpi xmlns:a14="http://schemas.microsoft.com/office/drawing/2010/main" val="0"/>
-              </a:ext>
-            </a:extLst>
-          </a:blip>
-          <a:stretch>
-            <a:fillRect/>
-          </a:stretch>
-        </p:blipFill>
-        <p:spPr>
-          <a:xfrm>
-            <a:off x="7410222" y="365126"/>
-            <a:ext cx="1325563" cy="1325563"/>
-          </a:xfrm>
-          <a:prstGeom prst="rect">
-            <a:avLst/>
-          </a:prstGeom>
-        </p:spPr>
-      </p:pic>
-    </p:spTree>
-    <p:extLst>
-      <p:ext uri="{BB962C8B-B14F-4D97-AF65-F5344CB8AC3E}">
-        <p14:creationId xmlns:p14="http://schemas.microsoft.com/office/powerpoint/2010/main" val="2001584903"/>
-      </p:ext>
-    </p:extLst>
-  </p:cSld>
-  <p:clrMapOvr>
-    <a:masterClrMapping/>
-  </p:clrMapOvr>
+  <p:transition spd="slow">
+    <p:wipe/>
+  </p:transition>
+  <p:timing>
+    <p:tnLst>
+      <p:par>
+        <p:cTn id="1" dur="indefinite" restart="never" nodeType="tmRoot"/>
+      </p:par>
+    </p:tnLst>
+  </p:timing>
 </p:sld>
 </file>
 

--- a/project.pptx
+++ b/project.pptx
@@ -5,16 +5,17 @@
     <p:sldMasterId id="2147483684" r:id="rId1"/>
   </p:sldMasterIdLst>
   <p:handoutMasterIdLst>
-    <p:handoutMasterId r:id="rId9"/>
+    <p:handoutMasterId r:id="rId10"/>
   </p:handoutMasterIdLst>
   <p:sldIdLst>
     <p:sldId id="256" r:id="rId2"/>
     <p:sldId id="258" r:id="rId3"/>
     <p:sldId id="260" r:id="rId4"/>
-    <p:sldId id="261" r:id="rId5"/>
-    <p:sldId id="263" r:id="rId6"/>
-    <p:sldId id="266" r:id="rId7"/>
-    <p:sldId id="268" r:id="rId8"/>
+    <p:sldId id="269" r:id="rId5"/>
+    <p:sldId id="261" r:id="rId6"/>
+    <p:sldId id="263" r:id="rId7"/>
+    <p:sldId id="266" r:id="rId8"/>
+    <p:sldId id="268" r:id="rId9"/>
   </p:sldIdLst>
   <p:sldSz cx="9144000" cy="6858000" type="screen4x3"/>
   <p:notesSz cx="6858000" cy="9144000"/>
@@ -260,7 +261,7 @@
           </a:lstStyle>
           <a:p>
             <a:r>
-              <a:rPr lang="fr-FR" smtClean="0"/>
+              <a:rPr lang="fr-FR"/>
               <a:t>Modifiez le style du titre</a:t>
             </a:r>
             <a:endParaRPr lang="en-US" dirty="0"/>
@@ -325,7 +326,7 @@
           </a:lstStyle>
           <a:p>
             <a:r>
-              <a:rPr lang="fr-FR" smtClean="0"/>
+              <a:rPr lang="fr-FR"/>
               <a:t>Modifier le style des sous-titres du masque</a:t>
             </a:r>
             <a:endParaRPr lang="en-US" dirty="0"/>
@@ -391,7 +392,7 @@
           <a:p>
             <a:fld id="{A05029EF-7D36-41D4-AA77-E5E009396FB5}" type="slidenum">
               <a:rPr lang="fr-FR" smtClean="0"/>
-              <a:t>‹N°›</a:t>
+              <a:t>‹Nr.›</a:t>
             </a:fld>
             <a:endParaRPr lang="fr-FR"/>
           </a:p>
@@ -443,7 +444,7 @@
           <a:lstStyle/>
           <a:p>
             <a:r>
-              <a:rPr lang="fr-FR" smtClean="0"/>
+              <a:rPr lang="fr-FR"/>
               <a:t>Modifiez le style du titre</a:t>
             </a:r>
             <a:endParaRPr lang="en-US" dirty="0"/>
@@ -467,35 +468,35 @@
           <a:p>
             <a:pPr lvl="0"/>
             <a:r>
-              <a:rPr lang="fr-FR" smtClean="0"/>
+              <a:rPr lang="fr-FR"/>
               <a:t>Modifier les styles du texte du masque</a:t>
             </a:r>
           </a:p>
           <a:p>
             <a:pPr lvl="1"/>
             <a:r>
-              <a:rPr lang="fr-FR" smtClean="0"/>
+              <a:rPr lang="fr-FR"/>
               <a:t>Deuxième niveau</a:t>
             </a:r>
           </a:p>
           <a:p>
             <a:pPr lvl="2"/>
             <a:r>
-              <a:rPr lang="fr-FR" smtClean="0"/>
+              <a:rPr lang="fr-FR"/>
               <a:t>Troisième niveau</a:t>
             </a:r>
           </a:p>
           <a:p>
             <a:pPr lvl="3"/>
             <a:r>
-              <a:rPr lang="fr-FR" smtClean="0"/>
+              <a:rPr lang="fr-FR"/>
               <a:t>Quatrième niveau</a:t>
             </a:r>
           </a:p>
           <a:p>
             <a:pPr lvl="4"/>
             <a:r>
-              <a:rPr lang="fr-FR" smtClean="0"/>
+              <a:rPr lang="fr-FR"/>
               <a:t>Cinquième niveau</a:t>
             </a:r>
             <a:endParaRPr lang="en-US" dirty="0"/>
@@ -561,7 +562,7 @@
           <a:p>
             <a:fld id="{A05029EF-7D36-41D4-AA77-E5E009396FB5}" type="slidenum">
               <a:rPr lang="fr-FR" smtClean="0"/>
-              <a:t>‹N°›</a:t>
+              <a:t>‹Nr.›</a:t>
             </a:fld>
             <a:endParaRPr lang="fr-FR"/>
           </a:p>
@@ -618,7 +619,7 @@
           <a:lstStyle/>
           <a:p>
             <a:r>
-              <a:rPr lang="fr-FR" smtClean="0"/>
+              <a:rPr lang="fr-FR"/>
               <a:t>Modifiez le style du titre</a:t>
             </a:r>
             <a:endParaRPr lang="en-US" dirty="0"/>
@@ -647,35 +648,35 @@
           <a:p>
             <a:pPr lvl="0"/>
             <a:r>
-              <a:rPr lang="fr-FR" smtClean="0"/>
+              <a:rPr lang="fr-FR"/>
               <a:t>Modifier les styles du texte du masque</a:t>
             </a:r>
           </a:p>
           <a:p>
             <a:pPr lvl="1"/>
             <a:r>
-              <a:rPr lang="fr-FR" smtClean="0"/>
+              <a:rPr lang="fr-FR"/>
               <a:t>Deuxième niveau</a:t>
             </a:r>
           </a:p>
           <a:p>
             <a:pPr lvl="2"/>
             <a:r>
-              <a:rPr lang="fr-FR" smtClean="0"/>
+              <a:rPr lang="fr-FR"/>
               <a:t>Troisième niveau</a:t>
             </a:r>
           </a:p>
           <a:p>
             <a:pPr lvl="3"/>
             <a:r>
-              <a:rPr lang="fr-FR" smtClean="0"/>
+              <a:rPr lang="fr-FR"/>
               <a:t>Quatrième niveau</a:t>
             </a:r>
           </a:p>
           <a:p>
             <a:pPr lvl="4"/>
             <a:r>
-              <a:rPr lang="fr-FR" smtClean="0"/>
+              <a:rPr lang="fr-FR"/>
               <a:t>Cinquième niveau</a:t>
             </a:r>
             <a:endParaRPr lang="en-US" dirty="0"/>
@@ -741,7 +742,7 @@
           <a:p>
             <a:fld id="{A05029EF-7D36-41D4-AA77-E5E009396FB5}" type="slidenum">
               <a:rPr lang="fr-FR" smtClean="0"/>
-              <a:t>‹N°›</a:t>
+              <a:t>‹Nr.›</a:t>
             </a:fld>
             <a:endParaRPr lang="fr-FR"/>
           </a:p>
@@ -798,7 +799,7 @@
           <a:lstStyle/>
           <a:p>
             <a:r>
-              <a:rPr lang="fr-FR" smtClean="0"/>
+              <a:rPr lang="fr-FR"/>
               <a:t>Modifiez le style du titre</a:t>
             </a:r>
             <a:endParaRPr lang="en-US" dirty="0"/>
@@ -822,35 +823,35 @@
           <a:p>
             <a:pPr lvl="0"/>
             <a:r>
-              <a:rPr lang="fr-FR" smtClean="0"/>
+              <a:rPr lang="fr-FR"/>
               <a:t>Modifier les styles du texte du masque</a:t>
             </a:r>
           </a:p>
           <a:p>
             <a:pPr lvl="1"/>
             <a:r>
-              <a:rPr lang="fr-FR" smtClean="0"/>
+              <a:rPr lang="fr-FR"/>
               <a:t>Deuxième niveau</a:t>
             </a:r>
           </a:p>
           <a:p>
             <a:pPr lvl="2"/>
             <a:r>
-              <a:rPr lang="fr-FR" smtClean="0"/>
+              <a:rPr lang="fr-FR"/>
               <a:t>Troisième niveau</a:t>
             </a:r>
           </a:p>
           <a:p>
             <a:pPr lvl="3"/>
             <a:r>
-              <a:rPr lang="fr-FR" smtClean="0"/>
+              <a:rPr lang="fr-FR"/>
               <a:t>Quatrième niveau</a:t>
             </a:r>
           </a:p>
           <a:p>
             <a:pPr lvl="4"/>
             <a:r>
-              <a:rPr lang="fr-FR" smtClean="0"/>
+              <a:rPr lang="fr-FR"/>
               <a:t>Cinquième niveau</a:t>
             </a:r>
             <a:endParaRPr lang="en-US" dirty="0"/>
@@ -916,7 +917,7 @@
           <a:p>
             <a:fld id="{A05029EF-7D36-41D4-AA77-E5E009396FB5}" type="slidenum">
               <a:rPr lang="fr-FR" smtClean="0"/>
-              <a:t>‹N°›</a:t>
+              <a:t>‹Nr.›</a:t>
             </a:fld>
             <a:endParaRPr lang="fr-FR"/>
           </a:p>
@@ -932,13 +933,6 @@
   <p:clrMapOvr>
     <a:masterClrMapping/>
   </p:clrMapOvr>
-  <p:timing>
-    <p:tnLst>
-      <p:par>
-        <p:cTn id="1" dur="indefinite" restart="never" nodeType="tmRoot"/>
-      </p:par>
-    </p:tnLst>
-  </p:timing>
 </p:sldLayout>
 </file>
 
@@ -984,7 +978,7 @@
           </a:lstStyle>
           <a:p>
             <a:r>
-              <a:rPr lang="fr-FR" smtClean="0"/>
+              <a:rPr lang="fr-FR"/>
               <a:t>Modifiez le style du titre</a:t>
             </a:r>
             <a:endParaRPr lang="en-US" dirty="0"/>
@@ -1102,7 +1096,7 @@
           <a:p>
             <a:pPr lvl="0"/>
             <a:r>
-              <a:rPr lang="fr-FR" smtClean="0"/>
+              <a:rPr lang="fr-FR"/>
               <a:t>Modifier les styles du texte du masque</a:t>
             </a:r>
           </a:p>
@@ -1167,7 +1161,7 @@
           <a:p>
             <a:fld id="{A05029EF-7D36-41D4-AA77-E5E009396FB5}" type="slidenum">
               <a:rPr lang="fr-FR" smtClean="0"/>
-              <a:t>‹N°›</a:t>
+              <a:t>‹Nr.›</a:t>
             </a:fld>
             <a:endParaRPr lang="fr-FR"/>
           </a:p>
@@ -1279,13 +1273,6 @@
   <p:clrMapOvr>
     <a:masterClrMapping/>
   </p:clrMapOvr>
-  <p:timing>
-    <p:tnLst>
-      <p:par>
-        <p:cTn id="1" dur="indefinite" restart="never" nodeType="tmRoot"/>
-      </p:par>
-    </p:tnLst>
-  </p:timing>
 </p:sldLayout>
 </file>
 
@@ -1322,7 +1309,7 @@
           <a:lstStyle/>
           <a:p>
             <a:r>
-              <a:rPr lang="fr-FR" smtClean="0"/>
+              <a:rPr lang="fr-FR"/>
               <a:t>Modifiez le style du titre</a:t>
             </a:r>
             <a:endParaRPr lang="en-US" dirty="0"/>
@@ -1351,35 +1338,35 @@
           <a:p>
             <a:pPr lvl="0"/>
             <a:r>
-              <a:rPr lang="fr-FR" smtClean="0"/>
+              <a:rPr lang="fr-FR"/>
               <a:t>Modifier les styles du texte du masque</a:t>
             </a:r>
           </a:p>
           <a:p>
             <a:pPr lvl="1"/>
             <a:r>
-              <a:rPr lang="fr-FR" smtClean="0"/>
+              <a:rPr lang="fr-FR"/>
               <a:t>Deuxième niveau</a:t>
             </a:r>
           </a:p>
           <a:p>
             <a:pPr lvl="2"/>
             <a:r>
-              <a:rPr lang="fr-FR" smtClean="0"/>
+              <a:rPr lang="fr-FR"/>
               <a:t>Troisième niveau</a:t>
             </a:r>
           </a:p>
           <a:p>
             <a:pPr lvl="3"/>
             <a:r>
-              <a:rPr lang="fr-FR" smtClean="0"/>
+              <a:rPr lang="fr-FR"/>
               <a:t>Quatrième niveau</a:t>
             </a:r>
           </a:p>
           <a:p>
             <a:pPr lvl="4"/>
             <a:r>
-              <a:rPr lang="fr-FR" smtClean="0"/>
+              <a:rPr lang="fr-FR"/>
               <a:t>Cinquième niveau</a:t>
             </a:r>
             <a:endParaRPr lang="en-US" dirty="0"/>
@@ -1408,35 +1395,35 @@
           <a:p>
             <a:pPr lvl="0"/>
             <a:r>
-              <a:rPr lang="fr-FR" smtClean="0"/>
+              <a:rPr lang="fr-FR"/>
               <a:t>Modifier les styles du texte du masque</a:t>
             </a:r>
           </a:p>
           <a:p>
             <a:pPr lvl="1"/>
             <a:r>
-              <a:rPr lang="fr-FR" smtClean="0"/>
+              <a:rPr lang="fr-FR"/>
               <a:t>Deuxième niveau</a:t>
             </a:r>
           </a:p>
           <a:p>
             <a:pPr lvl="2"/>
             <a:r>
-              <a:rPr lang="fr-FR" smtClean="0"/>
+              <a:rPr lang="fr-FR"/>
               <a:t>Troisième niveau</a:t>
             </a:r>
           </a:p>
           <a:p>
             <a:pPr lvl="3"/>
             <a:r>
-              <a:rPr lang="fr-FR" smtClean="0"/>
+              <a:rPr lang="fr-FR"/>
               <a:t>Quatrième niveau</a:t>
             </a:r>
           </a:p>
           <a:p>
             <a:pPr lvl="4"/>
             <a:r>
-              <a:rPr lang="fr-FR" smtClean="0"/>
+              <a:rPr lang="fr-FR"/>
               <a:t>Cinquième niveau</a:t>
             </a:r>
             <a:endParaRPr lang="en-US" dirty="0"/>
@@ -1502,7 +1489,7 @@
           <a:p>
             <a:fld id="{A05029EF-7D36-41D4-AA77-E5E009396FB5}" type="slidenum">
               <a:rPr lang="fr-FR" smtClean="0"/>
-              <a:t>‹N°›</a:t>
+              <a:t>‹Nr.›</a:t>
             </a:fld>
             <a:endParaRPr lang="fr-FR"/>
           </a:p>
@@ -1559,7 +1546,7 @@
           <a:lstStyle/>
           <a:p>
             <a:r>
-              <a:rPr lang="fr-FR" smtClean="0"/>
+              <a:rPr lang="fr-FR"/>
               <a:t>Modifiez le style du titre</a:t>
             </a:r>
             <a:endParaRPr lang="en-US" dirty="0"/>
@@ -1625,7 +1612,7 @@
           <a:p>
             <a:pPr lvl="0"/>
             <a:r>
-              <a:rPr lang="fr-FR" smtClean="0"/>
+              <a:rPr lang="fr-FR"/>
               <a:t>Modifier les styles du texte du masque</a:t>
             </a:r>
           </a:p>
@@ -1653,35 +1640,35 @@
           <a:p>
             <a:pPr lvl="0"/>
             <a:r>
-              <a:rPr lang="fr-FR" smtClean="0"/>
+              <a:rPr lang="fr-FR"/>
               <a:t>Modifier les styles du texte du masque</a:t>
             </a:r>
           </a:p>
           <a:p>
             <a:pPr lvl="1"/>
             <a:r>
-              <a:rPr lang="fr-FR" smtClean="0"/>
+              <a:rPr lang="fr-FR"/>
               <a:t>Deuxième niveau</a:t>
             </a:r>
           </a:p>
           <a:p>
             <a:pPr lvl="2"/>
             <a:r>
-              <a:rPr lang="fr-FR" smtClean="0"/>
+              <a:rPr lang="fr-FR"/>
               <a:t>Troisième niveau</a:t>
             </a:r>
           </a:p>
           <a:p>
             <a:pPr lvl="3"/>
             <a:r>
-              <a:rPr lang="fr-FR" smtClean="0"/>
+              <a:rPr lang="fr-FR"/>
               <a:t>Quatrième niveau</a:t>
             </a:r>
           </a:p>
           <a:p>
             <a:pPr lvl="4"/>
             <a:r>
-              <a:rPr lang="fr-FR" smtClean="0"/>
+              <a:rPr lang="fr-FR"/>
               <a:t>Cinquième niveau</a:t>
             </a:r>
             <a:endParaRPr lang="en-US" dirty="0"/>
@@ -1747,7 +1734,7 @@
           <a:p>
             <a:pPr lvl="0"/>
             <a:r>
-              <a:rPr lang="fr-FR" smtClean="0"/>
+              <a:rPr lang="fr-FR"/>
               <a:t>Modifier les styles du texte du masque</a:t>
             </a:r>
           </a:p>
@@ -1775,35 +1762,35 @@
           <a:p>
             <a:pPr lvl="0"/>
             <a:r>
-              <a:rPr lang="fr-FR" smtClean="0"/>
+              <a:rPr lang="fr-FR"/>
               <a:t>Modifier les styles du texte du masque</a:t>
             </a:r>
           </a:p>
           <a:p>
             <a:pPr lvl="1"/>
             <a:r>
-              <a:rPr lang="fr-FR" smtClean="0"/>
+              <a:rPr lang="fr-FR"/>
               <a:t>Deuxième niveau</a:t>
             </a:r>
           </a:p>
           <a:p>
             <a:pPr lvl="2"/>
             <a:r>
-              <a:rPr lang="fr-FR" smtClean="0"/>
+              <a:rPr lang="fr-FR"/>
               <a:t>Troisième niveau</a:t>
             </a:r>
           </a:p>
           <a:p>
             <a:pPr lvl="3"/>
             <a:r>
-              <a:rPr lang="fr-FR" smtClean="0"/>
+              <a:rPr lang="fr-FR"/>
               <a:t>Quatrième niveau</a:t>
             </a:r>
           </a:p>
           <a:p>
             <a:pPr lvl="4"/>
             <a:r>
-              <a:rPr lang="fr-FR" smtClean="0"/>
+              <a:rPr lang="fr-FR"/>
               <a:t>Cinquième niveau</a:t>
             </a:r>
             <a:endParaRPr lang="en-US" dirty="0"/>
@@ -1869,7 +1856,7 @@
           <a:p>
             <a:fld id="{A05029EF-7D36-41D4-AA77-E5E009396FB5}" type="slidenum">
               <a:rPr lang="fr-FR" smtClean="0"/>
-              <a:t>‹N°›</a:t>
+              <a:t>‹Nr.›</a:t>
             </a:fld>
             <a:endParaRPr lang="fr-FR"/>
           </a:p>
@@ -1921,7 +1908,7 @@
           <a:lstStyle/>
           <a:p>
             <a:r>
-              <a:rPr lang="fr-FR" smtClean="0"/>
+              <a:rPr lang="fr-FR"/>
               <a:t>Modifiez le style du titre</a:t>
             </a:r>
             <a:endParaRPr lang="en-US" dirty="0"/>
@@ -1987,7 +1974,7 @@
           <a:p>
             <a:fld id="{A05029EF-7D36-41D4-AA77-E5E009396FB5}" type="slidenum">
               <a:rPr lang="fr-FR" smtClean="0"/>
-              <a:t>‹N°›</a:t>
+              <a:t>‹Nr.›</a:t>
             </a:fld>
             <a:endParaRPr lang="fr-FR"/>
           </a:p>
@@ -2082,7 +2069,7 @@
           <a:p>
             <a:fld id="{A05029EF-7D36-41D4-AA77-E5E009396FB5}" type="slidenum">
               <a:rPr lang="fr-FR" smtClean="0"/>
-              <a:t>‹N°›</a:t>
+              <a:t>‹Nr.›</a:t>
             </a:fld>
             <a:endParaRPr lang="fr-FR"/>
           </a:p>
@@ -2143,7 +2130,7 @@
           </a:lstStyle>
           <a:p>
             <a:r>
-              <a:rPr lang="fr-FR" smtClean="0"/>
+              <a:rPr lang="fr-FR"/>
               <a:t>Modifiez le style du titre</a:t>
             </a:r>
             <a:endParaRPr lang="en-US" dirty="0"/>
@@ -2200,35 +2187,35 @@
           <a:p>
             <a:pPr lvl="0"/>
             <a:r>
-              <a:rPr lang="fr-FR" smtClean="0"/>
+              <a:rPr lang="fr-FR"/>
               <a:t>Modifier les styles du texte du masque</a:t>
             </a:r>
           </a:p>
           <a:p>
             <a:pPr lvl="1"/>
             <a:r>
-              <a:rPr lang="fr-FR" smtClean="0"/>
+              <a:rPr lang="fr-FR"/>
               <a:t>Deuxième niveau</a:t>
             </a:r>
           </a:p>
           <a:p>
             <a:pPr lvl="2"/>
             <a:r>
-              <a:rPr lang="fr-FR" smtClean="0"/>
+              <a:rPr lang="fr-FR"/>
               <a:t>Troisième niveau</a:t>
             </a:r>
           </a:p>
           <a:p>
             <a:pPr lvl="3"/>
             <a:r>
-              <a:rPr lang="fr-FR" smtClean="0"/>
+              <a:rPr lang="fr-FR"/>
               <a:t>Quatrième niveau</a:t>
             </a:r>
           </a:p>
           <a:p>
             <a:pPr lvl="4"/>
             <a:r>
-              <a:rPr lang="fr-FR" smtClean="0"/>
+              <a:rPr lang="fr-FR"/>
               <a:t>Cinquième niveau</a:t>
             </a:r>
             <a:endParaRPr lang="en-US" dirty="0"/>
@@ -2294,7 +2281,7 @@
           <a:p>
             <a:pPr lvl="0"/>
             <a:r>
-              <a:rPr lang="fr-FR" smtClean="0"/>
+              <a:rPr lang="fr-FR"/>
               <a:t>Modifier les styles du texte du masque</a:t>
             </a:r>
           </a:p>
@@ -2359,7 +2346,7 @@
           <a:p>
             <a:fld id="{A05029EF-7D36-41D4-AA77-E5E009396FB5}" type="slidenum">
               <a:rPr lang="fr-FR" smtClean="0"/>
-              <a:t>‹N°›</a:t>
+              <a:t>‹Nr.›</a:t>
             </a:fld>
             <a:endParaRPr lang="fr-FR"/>
           </a:p>
@@ -2420,7 +2407,7 @@
           </a:lstStyle>
           <a:p>
             <a:r>
-              <a:rPr lang="fr-FR" smtClean="0"/>
+              <a:rPr lang="fr-FR"/>
               <a:t>Modifiez le style du titre</a:t>
             </a:r>
             <a:endParaRPr lang="en-US" dirty="0"/>
@@ -2485,7 +2472,7 @@
           </a:lstStyle>
           <a:p>
             <a:r>
-              <a:rPr lang="fr-FR" smtClean="0"/>
+              <a:rPr lang="fr-FR"/>
               <a:t>Cliquez sur l'icône pour ajouter une image</a:t>
             </a:r>
             <a:endParaRPr lang="en-US" dirty="0"/>
@@ -2551,7 +2538,7 @@
           <a:p>
             <a:pPr lvl="0"/>
             <a:r>
-              <a:rPr lang="fr-FR" smtClean="0"/>
+              <a:rPr lang="fr-FR"/>
               <a:t>Modifier les styles du texte du masque</a:t>
             </a:r>
           </a:p>
@@ -2616,7 +2603,7 @@
           <a:p>
             <a:fld id="{A05029EF-7D36-41D4-AA77-E5E009396FB5}" type="slidenum">
               <a:rPr lang="fr-FR" smtClean="0"/>
-              <a:t>‹N°›</a:t>
+              <a:t>‹Nr.›</a:t>
             </a:fld>
             <a:endParaRPr lang="fr-FR"/>
           </a:p>
@@ -2713,7 +2700,7 @@
           <a:lstStyle/>
           <a:p>
             <a:r>
-              <a:rPr lang="fr-FR" smtClean="0"/>
+              <a:rPr lang="fr-FR"/>
               <a:t>Modifiez le style du titre</a:t>
             </a:r>
             <a:endParaRPr lang="en-US" dirty="0"/>
@@ -2747,35 +2734,35 @@
           <a:p>
             <a:pPr lvl="0"/>
             <a:r>
-              <a:rPr lang="fr-FR" smtClean="0"/>
+              <a:rPr lang="fr-FR"/>
               <a:t>Modifier les styles du texte du masque</a:t>
             </a:r>
           </a:p>
           <a:p>
             <a:pPr lvl="1"/>
             <a:r>
-              <a:rPr lang="fr-FR" smtClean="0"/>
+              <a:rPr lang="fr-FR"/>
               <a:t>Deuxième niveau</a:t>
             </a:r>
           </a:p>
           <a:p>
             <a:pPr lvl="2"/>
             <a:r>
-              <a:rPr lang="fr-FR" smtClean="0"/>
+              <a:rPr lang="fr-FR"/>
               <a:t>Troisième niveau</a:t>
             </a:r>
           </a:p>
           <a:p>
             <a:pPr lvl="3"/>
             <a:r>
-              <a:rPr lang="fr-FR" smtClean="0"/>
+              <a:rPr lang="fr-FR"/>
               <a:t>Quatrième niveau</a:t>
             </a:r>
           </a:p>
           <a:p>
             <a:pPr lvl="4"/>
             <a:r>
-              <a:rPr lang="fr-FR" smtClean="0"/>
+              <a:rPr lang="fr-FR"/>
               <a:t>Cinquième niveau</a:t>
             </a:r>
             <a:endParaRPr lang="en-US" dirty="0"/>
@@ -2945,7 +2932,7 @@
           <a:p>
             <a:fld id="{A05029EF-7D36-41D4-AA77-E5E009396FB5}" type="slidenum">
               <a:rPr lang="fr-FR" smtClean="0"/>
-              <a:t>‹N°›</a:t>
+              <a:t>‹Nr.›</a:t>
             </a:fld>
             <a:endParaRPr lang="fr-FR"/>
           </a:p>
@@ -3326,9 +3313,6 @@
               </a:rPr>
               <a:t>GERMANFRENCHFOOD</a:t>
             </a:r>
-            <a:endParaRPr lang="fr-FR" sz="3200" b="1" dirty="0">
-              <a:latin typeface="Berlin Sans FB Demi" panose="020E0802020502020306" pitchFamily="34" charset="0"/>
-            </a:endParaRPr>
           </a:p>
         </p:txBody>
       </p:sp>
@@ -3345,13 +3329,6 @@
   <p:transition spd="slow">
     <p:wipe/>
   </p:transition>
-  <p:timing>
-    <p:tnLst>
-      <p:par>
-        <p:cTn id="1" dur="indefinite" restart="never" nodeType="tmRoot"/>
-      </p:par>
-    </p:tnLst>
-  </p:timing>
 </p:sld>
 </file>
 
@@ -3402,9 +3379,6 @@
               </a:rPr>
               <a:t> of the concept</a:t>
             </a:r>
-            <a:endParaRPr lang="fr-FR" sz="4000" dirty="0">
-              <a:latin typeface="Berlin Sans FB Demi" panose="020E0802020502020306" pitchFamily="34" charset="0"/>
-            </a:endParaRPr>
           </a:p>
         </p:txBody>
       </p:sp>
@@ -3431,49 +3405,43 @@
           <a:lstStyle/>
           <a:p>
             <a:r>
-              <a:rPr lang="fr-FR" sz="2400" dirty="0" smtClean="0">
+              <a:rPr lang="fr-FR" sz="2400" dirty="0">
                 <a:latin typeface="Berlin Sans FB Demi" panose="020E0802020502020306" pitchFamily="34" charset="0"/>
               </a:rPr>
-              <a:t>Target : </a:t>
-            </a:r>
-            <a:r>
-              <a:rPr lang="fr-FR" sz="2400" dirty="0" smtClean="0">
-                <a:latin typeface="Berlin Sans FB Demi" panose="020E0802020502020306" pitchFamily="34" charset="0"/>
-              </a:rPr>
-              <a:t>people </a:t>
-            </a:r>
-            <a:r>
-              <a:rPr lang="fr-FR" sz="2400" dirty="0" err="1" smtClean="0">
+              <a:t>Target : people </a:t>
+            </a:r>
+            <a:r>
+              <a:rPr lang="fr-FR" sz="2400" dirty="0" err="1">
                 <a:latin typeface="Berlin Sans FB Demi" panose="020E0802020502020306" pitchFamily="34" charset="0"/>
               </a:rPr>
               <a:t>curious</a:t>
             </a:r>
             <a:r>
-              <a:rPr lang="fr-FR" sz="2400" dirty="0" smtClean="0">
+              <a:rPr lang="fr-FR" sz="2400" dirty="0">
                 <a:latin typeface="Berlin Sans FB Demi" panose="020E0802020502020306" pitchFamily="34" charset="0"/>
               </a:rPr>
               <a:t> of </a:t>
             </a:r>
             <a:r>
-              <a:rPr lang="fr-FR" sz="2400" dirty="0" err="1" smtClean="0">
+              <a:rPr lang="fr-FR" sz="2400" dirty="0" err="1">
                 <a:latin typeface="Berlin Sans FB Demi" panose="020E0802020502020306" pitchFamily="34" charset="0"/>
               </a:rPr>
               <a:t>other</a:t>
             </a:r>
             <a:r>
-              <a:rPr lang="fr-FR" sz="2400" dirty="0" smtClean="0">
+              <a:rPr lang="fr-FR" sz="2400" dirty="0">
                 <a:latin typeface="Berlin Sans FB Demi" panose="020E0802020502020306" pitchFamily="34" charset="0"/>
               </a:rPr>
               <a:t> </a:t>
             </a:r>
             <a:r>
-              <a:rPr lang="fr-FR" sz="2400" dirty="0" err="1" smtClean="0">
+              <a:rPr lang="fr-FR" sz="2400" dirty="0" err="1">
                 <a:latin typeface="Berlin Sans FB Demi" panose="020E0802020502020306" pitchFamily="34" charset="0"/>
               </a:rPr>
               <a:t>food</a:t>
             </a:r>
             <a:r>
-              <a:rPr lang="fr-FR" sz="2400" dirty="0" smtClean="0">
+              <a:rPr lang="fr-FR" sz="2400" dirty="0">
                 <a:latin typeface="Berlin Sans FB Demi" panose="020E0802020502020306" pitchFamily="34" charset="0"/>
               </a:rPr>
               <a:t> cultures</a:t>
@@ -3481,30 +3449,30 @@
           </a:p>
           <a:p>
             <a:r>
-              <a:rPr lang="fr-FR" sz="2400" dirty="0" err="1" smtClean="0">
+              <a:rPr lang="fr-FR" sz="2400" dirty="0" err="1">
                 <a:latin typeface="Berlin Sans FB Demi" panose="020E0802020502020306" pitchFamily="34" charset="0"/>
               </a:rPr>
               <a:t>Device</a:t>
             </a:r>
             <a:r>
-              <a:rPr lang="fr-FR" sz="2400" dirty="0" smtClean="0">
+              <a:rPr lang="fr-FR" sz="2400" dirty="0">
                 <a:latin typeface="Berlin Sans FB Demi" panose="020E0802020502020306" pitchFamily="34" charset="0"/>
               </a:rPr>
               <a:t> </a:t>
             </a:r>
             <a:r>
-              <a:rPr lang="fr-FR" sz="2400" dirty="0" err="1" smtClean="0">
+              <a:rPr lang="fr-FR" sz="2400" dirty="0" err="1">
                 <a:latin typeface="Berlin Sans FB Demi" panose="020E0802020502020306" pitchFamily="34" charset="0"/>
               </a:rPr>
               <a:t>target</a:t>
             </a:r>
-            <a:endParaRPr lang="fr-FR" sz="2400" dirty="0" smtClean="0">
+            <a:endParaRPr lang="fr-FR" sz="2400" dirty="0">
               <a:latin typeface="Berlin Sans FB Demi" panose="020E0802020502020306" pitchFamily="34" charset="0"/>
             </a:endParaRPr>
           </a:p>
           <a:p>
             <a:r>
-              <a:rPr lang="fr-FR" sz="2400" dirty="0" smtClean="0">
+              <a:rPr lang="fr-FR" sz="2400" dirty="0">
                 <a:latin typeface="Berlin Sans FB Demi" panose="020E0802020502020306" pitchFamily="34" charset="0"/>
               </a:rPr>
               <a:t>Franchise</a:t>
@@ -3557,13 +3525,6 @@
   <p:transition spd="slow">
     <p:wipe/>
   </p:transition>
-  <p:timing>
-    <p:tnLst>
-      <p:par>
-        <p:cTn id="1" dur="indefinite" restart="never" nodeType="tmRoot"/>
-      </p:par>
-    </p:tnLst>
-  </p:timing>
 </p:sld>
 </file>
 
@@ -3613,9 +3574,6 @@
               </a:rPr>
               <a:t>Site content</a:t>
             </a:r>
-            <a:endParaRPr lang="fr-FR" sz="4000" dirty="0">
-              <a:latin typeface="Berlin Sans FB Demi" panose="020E0802020502020306" pitchFamily="34" charset="0"/>
-            </a:endParaRPr>
           </a:p>
         </p:txBody>
       </p:sp>
@@ -3661,13 +3619,6 @@
   <p:transition spd="slow">
     <p:wipe/>
   </p:transition>
-  <p:timing>
-    <p:tnLst>
-      <p:par>
-        <p:cTn id="1" dur="indefinite" restart="never" nodeType="tmRoot"/>
-      </p:par>
-    </p:tnLst>
-  </p:timing>
 </p:sld>
 </file>
 
@@ -3698,6 +3649,323 @@
             <p:ph type="title"/>
           </p:nvPr>
         </p:nvSpPr>
+        <p:spPr>
+          <a:xfrm>
+            <a:off x="927388" y="375637"/>
+            <a:ext cx="7289223" cy="1325563"/>
+          </a:xfrm>
+        </p:spPr>
+        <p:txBody>
+          <a:bodyPr>
+            <a:normAutofit/>
+          </a:bodyPr>
+          <a:lstStyle/>
+          <a:p>
+            <a:pPr algn="ctr"/>
+            <a:r>
+              <a:rPr lang="fr-FR" sz="4000" dirty="0">
+                <a:latin typeface="Berlin Sans FB Demi" panose="020E0802020502020306" pitchFamily="34" charset="0"/>
+              </a:rPr>
+              <a:t>Tools &amp; Technologies</a:t>
+            </a:r>
+          </a:p>
+        </p:txBody>
+      </p:sp>
+      <p:pic>
+        <p:nvPicPr>
+          <p:cNvPr id="6" name="Grafik 5">
+            <a:extLst>
+              <a:ext uri="{FF2B5EF4-FFF2-40B4-BE49-F238E27FC236}">
+                <a16:creationId xmlns:a16="http://schemas.microsoft.com/office/drawing/2014/main" id="{AB112310-2191-4ACF-A393-DCB0EB239BDA}"/>
+              </a:ext>
+            </a:extLst>
+          </p:cNvPr>
+          <p:cNvPicPr>
+            <a:picLocks noChangeAspect="1"/>
+          </p:cNvPicPr>
+          <p:nvPr/>
+        </p:nvPicPr>
+        <p:blipFill>
+          <a:blip r:embed="rId2" cstate="print">
+            <a:extLst>
+              <a:ext uri="{28A0092B-C50C-407E-A947-70E740481C1C}">
+                <a14:useLocalDpi xmlns:a14="http://schemas.microsoft.com/office/drawing/2010/main" val="0"/>
+              </a:ext>
+            </a:extLst>
+          </a:blip>
+          <a:stretch>
+            <a:fillRect/>
+          </a:stretch>
+        </p:blipFill>
+        <p:spPr>
+          <a:xfrm>
+            <a:off x="1123148" y="1767982"/>
+            <a:ext cx="2109520" cy="880898"/>
+          </a:xfrm>
+          <a:prstGeom prst="rect">
+            <a:avLst/>
+          </a:prstGeom>
+        </p:spPr>
+      </p:pic>
+      <p:pic>
+        <p:nvPicPr>
+          <p:cNvPr id="9" name="Grafik 8">
+            <a:extLst>
+              <a:ext uri="{FF2B5EF4-FFF2-40B4-BE49-F238E27FC236}">
+                <a16:creationId xmlns:a16="http://schemas.microsoft.com/office/drawing/2014/main" id="{8843CE34-AE86-4698-A289-4CDD07DFD2D3}"/>
+              </a:ext>
+            </a:extLst>
+          </p:cNvPr>
+          <p:cNvPicPr>
+            <a:picLocks noChangeAspect="1"/>
+          </p:cNvPicPr>
+          <p:nvPr/>
+        </p:nvPicPr>
+        <p:blipFill>
+          <a:blip r:embed="rId3" cstate="print">
+            <a:extLst>
+              <a:ext uri="{28A0092B-C50C-407E-A947-70E740481C1C}">
+                <a14:useLocalDpi xmlns:a14="http://schemas.microsoft.com/office/drawing/2010/main" val="0"/>
+              </a:ext>
+            </a:extLst>
+          </a:blip>
+          <a:stretch>
+            <a:fillRect/>
+          </a:stretch>
+        </p:blipFill>
+        <p:spPr>
+          <a:xfrm>
+            <a:off x="1113031" y="4568450"/>
+            <a:ext cx="1676401" cy="1676401"/>
+          </a:xfrm>
+          <a:prstGeom prst="rect">
+            <a:avLst/>
+          </a:prstGeom>
+        </p:spPr>
+      </p:pic>
+      <p:pic>
+        <p:nvPicPr>
+          <p:cNvPr id="11" name="Grafik 10">
+            <a:extLst>
+              <a:ext uri="{FF2B5EF4-FFF2-40B4-BE49-F238E27FC236}">
+                <a16:creationId xmlns:a16="http://schemas.microsoft.com/office/drawing/2014/main" id="{1A298751-2B2D-402B-8214-6751A6EA8627}"/>
+              </a:ext>
+            </a:extLst>
+          </p:cNvPr>
+          <p:cNvPicPr>
+            <a:picLocks noChangeAspect="1"/>
+          </p:cNvPicPr>
+          <p:nvPr/>
+        </p:nvPicPr>
+        <p:blipFill>
+          <a:blip r:embed="rId4" cstate="print">
+            <a:extLst>
+              <a:ext uri="{28A0092B-C50C-407E-A947-70E740481C1C}">
+                <a14:useLocalDpi xmlns:a14="http://schemas.microsoft.com/office/drawing/2010/main" val="0"/>
+              </a:ext>
+            </a:extLst>
+          </a:blip>
+          <a:stretch>
+            <a:fillRect/>
+          </a:stretch>
+        </p:blipFill>
+        <p:spPr>
+          <a:xfrm>
+            <a:off x="7118133" y="4857412"/>
+            <a:ext cx="1098478" cy="1098478"/>
+          </a:xfrm>
+          <a:prstGeom prst="rect">
+            <a:avLst/>
+          </a:prstGeom>
+        </p:spPr>
+      </p:pic>
+      <p:pic>
+        <p:nvPicPr>
+          <p:cNvPr id="13" name="Grafik 12">
+            <a:extLst>
+              <a:ext uri="{FF2B5EF4-FFF2-40B4-BE49-F238E27FC236}">
+                <a16:creationId xmlns:a16="http://schemas.microsoft.com/office/drawing/2014/main" id="{51C55FFC-20DF-4569-A796-57F3B77ECC7A}"/>
+              </a:ext>
+            </a:extLst>
+          </p:cNvPr>
+          <p:cNvPicPr>
+            <a:picLocks noChangeAspect="1"/>
+          </p:cNvPicPr>
+          <p:nvPr/>
+        </p:nvPicPr>
+        <p:blipFill>
+          <a:blip r:embed="rId5">
+            <a:extLst>
+              <a:ext uri="{28A0092B-C50C-407E-A947-70E740481C1C}">
+                <a14:useLocalDpi xmlns:a14="http://schemas.microsoft.com/office/drawing/2010/main" val="0"/>
+              </a:ext>
+            </a:extLst>
+          </a:blip>
+          <a:stretch>
+            <a:fillRect/>
+          </a:stretch>
+        </p:blipFill>
+        <p:spPr>
+          <a:xfrm>
+            <a:off x="5643508" y="3182074"/>
+            <a:ext cx="1905000" cy="1009650"/>
+          </a:xfrm>
+          <a:prstGeom prst="rect">
+            <a:avLst/>
+          </a:prstGeom>
+        </p:spPr>
+      </p:pic>
+      <p:pic>
+        <p:nvPicPr>
+          <p:cNvPr id="15" name="Grafik 14">
+            <a:extLst>
+              <a:ext uri="{FF2B5EF4-FFF2-40B4-BE49-F238E27FC236}">
+                <a16:creationId xmlns:a16="http://schemas.microsoft.com/office/drawing/2014/main" id="{C0A536DB-4341-4271-BF07-EEDE8D84B2EF}"/>
+              </a:ext>
+            </a:extLst>
+          </p:cNvPr>
+          <p:cNvPicPr>
+            <a:picLocks noChangeAspect="1"/>
+          </p:cNvPicPr>
+          <p:nvPr/>
+        </p:nvPicPr>
+        <p:blipFill>
+          <a:blip r:embed="rId6" cstate="print">
+            <a:extLst>
+              <a:ext uri="{28A0092B-C50C-407E-A947-70E740481C1C}">
+                <a14:useLocalDpi xmlns:a14="http://schemas.microsoft.com/office/drawing/2010/main" val="0"/>
+              </a:ext>
+            </a:extLst>
+          </a:blip>
+          <a:stretch>
+            <a:fillRect/>
+          </a:stretch>
+        </p:blipFill>
+        <p:spPr>
+          <a:xfrm>
+            <a:off x="5210707" y="1723839"/>
+            <a:ext cx="2429838" cy="996234"/>
+          </a:xfrm>
+          <a:prstGeom prst="rect">
+            <a:avLst/>
+          </a:prstGeom>
+        </p:spPr>
+      </p:pic>
+      <p:pic>
+        <p:nvPicPr>
+          <p:cNvPr id="17" name="Grafik 16">
+            <a:extLst>
+              <a:ext uri="{FF2B5EF4-FFF2-40B4-BE49-F238E27FC236}">
+                <a16:creationId xmlns:a16="http://schemas.microsoft.com/office/drawing/2014/main" id="{9445C3D8-E27F-46D0-9F2F-4CC9028E4FF8}"/>
+              </a:ext>
+            </a:extLst>
+          </p:cNvPr>
+          <p:cNvPicPr>
+            <a:picLocks noChangeAspect="1"/>
+          </p:cNvPicPr>
+          <p:nvPr/>
+        </p:nvPicPr>
+        <p:blipFill>
+          <a:blip r:embed="rId7">
+            <a:extLst>
+              <a:ext uri="{28A0092B-C50C-407E-A947-70E740481C1C}">
+                <a14:useLocalDpi xmlns:a14="http://schemas.microsoft.com/office/drawing/2010/main" val="0"/>
+              </a:ext>
+            </a:extLst>
+          </a:blip>
+          <a:stretch>
+            <a:fillRect/>
+          </a:stretch>
+        </p:blipFill>
+        <p:spPr>
+          <a:xfrm>
+            <a:off x="2611776" y="3016370"/>
+            <a:ext cx="1676400" cy="1133475"/>
+          </a:xfrm>
+          <a:prstGeom prst="rect">
+            <a:avLst/>
+          </a:prstGeom>
+        </p:spPr>
+      </p:pic>
+      <p:pic>
+        <p:nvPicPr>
+          <p:cNvPr id="19" name="Grafik 18">
+            <a:extLst>
+              <a:ext uri="{FF2B5EF4-FFF2-40B4-BE49-F238E27FC236}">
+                <a16:creationId xmlns:a16="http://schemas.microsoft.com/office/drawing/2014/main" id="{020D2440-93E8-404A-83ED-CCCB084EE22C}"/>
+              </a:ext>
+            </a:extLst>
+          </p:cNvPr>
+          <p:cNvPicPr>
+            <a:picLocks noChangeAspect="1"/>
+          </p:cNvPicPr>
+          <p:nvPr/>
+        </p:nvPicPr>
+        <p:blipFill>
+          <a:blip r:embed="rId8" cstate="print">
+            <a:extLst>
+              <a:ext uri="{28A0092B-C50C-407E-A947-70E740481C1C}">
+                <a14:useLocalDpi xmlns:a14="http://schemas.microsoft.com/office/drawing/2010/main" val="0"/>
+              </a:ext>
+            </a:extLst>
+          </a:blip>
+          <a:stretch>
+            <a:fillRect/>
+          </a:stretch>
+        </p:blipFill>
+        <p:spPr>
+          <a:xfrm>
+            <a:off x="4288176" y="4577353"/>
+            <a:ext cx="1227831" cy="1732996"/>
+          </a:xfrm>
+          <a:prstGeom prst="rect">
+            <a:avLst/>
+          </a:prstGeom>
+        </p:spPr>
+      </p:pic>
+    </p:spTree>
+    <p:extLst>
+      <p:ext uri="{BB962C8B-B14F-4D97-AF65-F5344CB8AC3E}">
+        <p14:creationId xmlns:p14="http://schemas.microsoft.com/office/powerpoint/2010/main" val="1317921025"/>
+      </p:ext>
+    </p:extLst>
+  </p:cSld>
+  <p:clrMapOvr>
+    <a:masterClrMapping/>
+  </p:clrMapOvr>
+  <p:transition spd="slow">
+    <p:wipe/>
+  </p:transition>
+</p:sld>
+</file>
+
+<file path=ppt/slides/slide5.xml><?xml version="1.0" encoding="utf-8"?>
+<p:sld xmlns:a="http://schemas.openxmlformats.org/drawingml/2006/main" xmlns:r="http://schemas.openxmlformats.org/officeDocument/2006/relationships" xmlns:p="http://schemas.openxmlformats.org/presentationml/2006/main">
+  <p:cSld>
+    <p:spTree>
+      <p:nvGrpSpPr>
+        <p:cNvPr id="1" name=""/>
+        <p:cNvGrpSpPr/>
+        <p:nvPr/>
+      </p:nvGrpSpPr>
+      <p:grpSpPr>
+        <a:xfrm>
+          <a:off x="0" y="0"/>
+          <a:ext cx="0" cy="0"/>
+          <a:chOff x="0" y="0"/>
+          <a:chExt cx="0" cy="0"/>
+        </a:xfrm>
+      </p:grpSpPr>
+      <p:sp>
+        <p:nvSpPr>
+          <p:cNvPr id="2" name="Titre 1"/>
+          <p:cNvSpPr>
+            <a:spLocks noGrp="1"/>
+          </p:cNvSpPr>
+          <p:nvPr>
+            <p:ph type="title"/>
+          </p:nvPr>
+        </p:nvSpPr>
         <p:spPr/>
         <p:txBody>
           <a:bodyPr>
@@ -3718,9 +3986,6 @@
               </a:rPr>
               <a:t> distribution</a:t>
             </a:r>
-            <a:endParaRPr lang="fr-FR" sz="4000" dirty="0">
-              <a:latin typeface="Berlin Sans FB Demi" panose="020E0802020502020306" pitchFamily="34" charset="0"/>
-            </a:endParaRPr>
           </a:p>
         </p:txBody>
       </p:sp>
@@ -3742,7 +4007,7 @@
             <a:pPr marL="0" indent="0">
               <a:buNone/>
             </a:pPr>
-            <a:endParaRPr lang="fr-FR" dirty="0" smtClean="0"/>
+            <a:endParaRPr lang="fr-FR" dirty="0"/>
           </a:p>
           <a:p>
             <a:pPr marL="0" indent="0">
@@ -3821,7 +4086,7 @@
                     <a:lstStyle/>
                     <a:p>
                       <a:r>
-                        <a:rPr lang="fr-FR" sz="2400" b="0" dirty="0" smtClean="0">
+                        <a:rPr lang="fr-FR" sz="2400" b="0" dirty="0">
                           <a:solidFill>
                             <a:schemeClr val="tx1"/>
                           </a:solidFill>
@@ -3830,7 +4095,7 @@
                         <a:t>Front</a:t>
                       </a:r>
                       <a:r>
-                        <a:rPr lang="fr-FR" sz="2400" b="0" baseline="0" dirty="0" smtClean="0">
+                        <a:rPr lang="fr-FR" sz="2400" b="0" baseline="0" dirty="0">
                           <a:solidFill>
                             <a:schemeClr val="tx1"/>
                           </a:solidFill>
@@ -3903,7 +4168,7 @@
                     <a:lstStyle/>
                     <a:p>
                       <a:r>
-                        <a:rPr lang="fr-FR" sz="2400" dirty="0" smtClean="0">
+                        <a:rPr lang="fr-FR" sz="2400" dirty="0">
                           <a:solidFill>
                             <a:schemeClr val="tx1"/>
                           </a:solidFill>
@@ -3911,12 +4176,6 @@
                         </a:rPr>
                         <a:t>Back end</a:t>
                       </a:r>
-                      <a:endParaRPr lang="fr-FR" sz="2400" dirty="0">
-                        <a:solidFill>
-                          <a:schemeClr val="tx1"/>
-                        </a:solidFill>
-                        <a:latin typeface="Berlin Sans FB Demi" panose="020E0802020502020306" pitchFamily="34" charset="0"/>
-                      </a:endParaRPr>
                     </a:p>
                   </a:txBody>
                   <a:tcPr>
@@ -3976,7 +4235,7 @@
                     <a:lstStyle/>
                     <a:p>
                       <a:r>
-                        <a:rPr lang="fr-FR" sz="2400" dirty="0" err="1" smtClean="0">
+                        <a:rPr lang="fr-FR" sz="2400" dirty="0" err="1">
                           <a:solidFill>
                             <a:schemeClr val="tx1"/>
                           </a:solidFill>
@@ -3985,7 +4244,7 @@
                         <a:t>Containt</a:t>
                       </a:r>
                       <a:r>
-                        <a:rPr lang="fr-FR" sz="2400" baseline="0" dirty="0" smtClean="0">
+                        <a:rPr lang="fr-FR" sz="2400" baseline="0" dirty="0">
                           <a:solidFill>
                             <a:schemeClr val="tx1"/>
                           </a:solidFill>
@@ -3994,7 +4253,7 @@
                         <a:t> </a:t>
                       </a:r>
                       <a:r>
-                        <a:rPr lang="fr-FR" sz="2400" baseline="0" dirty="0" err="1" smtClean="0">
+                        <a:rPr lang="fr-FR" sz="2400" baseline="0" dirty="0" err="1">
                           <a:solidFill>
                             <a:schemeClr val="tx1"/>
                           </a:solidFill>
@@ -4077,183 +4336,6 @@
   <p:transition spd="slow">
     <p:wipe/>
   </p:transition>
-  <p:timing>
-    <p:tnLst>
-      <p:par>
-        <p:cTn id="1" dur="indefinite" restart="never" nodeType="tmRoot"/>
-      </p:par>
-    </p:tnLst>
-  </p:timing>
-</p:sld>
-</file>
-
-<file path=ppt/slides/slide5.xml><?xml version="1.0" encoding="utf-8"?>
-<p:sld xmlns:a="http://schemas.openxmlformats.org/drawingml/2006/main" xmlns:r="http://schemas.openxmlformats.org/officeDocument/2006/relationships" xmlns:p="http://schemas.openxmlformats.org/presentationml/2006/main">
-  <p:cSld>
-    <p:spTree>
-      <p:nvGrpSpPr>
-        <p:cNvPr id="1" name=""/>
-        <p:cNvGrpSpPr/>
-        <p:nvPr/>
-      </p:nvGrpSpPr>
-      <p:grpSpPr>
-        <a:xfrm>
-          <a:off x="0" y="0"/>
-          <a:ext cx="0" cy="0"/>
-          <a:chOff x="0" y="0"/>
-          <a:chExt cx="0" cy="0"/>
-        </a:xfrm>
-      </p:grpSpPr>
-      <p:sp>
-        <p:nvSpPr>
-          <p:cNvPr id="2" name="Titre 1"/>
-          <p:cNvSpPr>
-            <a:spLocks noGrp="1"/>
-          </p:cNvSpPr>
-          <p:nvPr>
-            <p:ph type="title"/>
-          </p:nvPr>
-        </p:nvSpPr>
-        <p:spPr>
-          <a:xfrm>
-            <a:off x="927388" y="417678"/>
-            <a:ext cx="7289223" cy="1325563"/>
-          </a:xfrm>
-        </p:spPr>
-        <p:txBody>
-          <a:bodyPr>
-            <a:normAutofit/>
-          </a:bodyPr>
-          <a:lstStyle/>
-          <a:p>
-            <a:pPr algn="ctr"/>
-            <a:r>
-              <a:rPr lang="fr-FR" sz="4000" dirty="0">
-                <a:latin typeface="Berlin Sans FB Demi" panose="020E0802020502020306" pitchFamily="34" charset="0"/>
-              </a:rPr>
-              <a:t>Conclusion</a:t>
-            </a:r>
-            <a:endParaRPr lang="fr-FR" sz="4000" dirty="0">
-              <a:latin typeface="Berlin Sans FB Demi" panose="020E0802020502020306" pitchFamily="34" charset="0"/>
-            </a:endParaRPr>
-          </a:p>
-        </p:txBody>
-      </p:sp>
-      <p:sp>
-        <p:nvSpPr>
-          <p:cNvPr id="3" name="Espace réservé du contenu 2"/>
-          <p:cNvSpPr>
-            <a:spLocks noGrp="1"/>
-          </p:cNvSpPr>
-          <p:nvPr>
-            <p:ph idx="1"/>
-          </p:nvPr>
-        </p:nvSpPr>
-        <p:spPr/>
-        <p:txBody>
-          <a:bodyPr anchor="ctr">
-            <a:normAutofit/>
-          </a:bodyPr>
-          <a:lstStyle/>
-          <a:p>
-            <a:pPr>
-              <a:lnSpc>
-                <a:spcPct val="250000"/>
-              </a:lnSpc>
-            </a:pPr>
-            <a:r>
-              <a:rPr lang="fr-FR" sz="2400" dirty="0" err="1" smtClean="0">
-                <a:latin typeface="Berlin Sans FB Demi" panose="020E0802020502020306" pitchFamily="34" charset="0"/>
-              </a:rPr>
-              <a:t>Difficulties</a:t>
-            </a:r>
-            <a:r>
-              <a:rPr lang="fr-FR" sz="2400" dirty="0" smtClean="0">
-                <a:latin typeface="Berlin Sans FB Demi" panose="020E0802020502020306" pitchFamily="34" charset="0"/>
-              </a:rPr>
-              <a:t> </a:t>
-            </a:r>
-            <a:r>
-              <a:rPr lang="fr-FR" sz="2400" dirty="0" err="1" smtClean="0">
-                <a:latin typeface="Berlin Sans FB Demi" panose="020E0802020502020306" pitchFamily="34" charset="0"/>
-              </a:rPr>
-              <a:t>encountered</a:t>
-            </a:r>
-            <a:r>
-              <a:rPr lang="fr-FR" sz="2400" dirty="0" smtClean="0">
-                <a:latin typeface="Berlin Sans FB Demi" panose="020E0802020502020306" pitchFamily="34" charset="0"/>
-              </a:rPr>
-              <a:t> and how to </a:t>
-            </a:r>
-            <a:r>
-              <a:rPr lang="fr-FR" sz="2400" dirty="0" err="1" smtClean="0">
-                <a:latin typeface="Berlin Sans FB Demi" panose="020E0802020502020306" pitchFamily="34" charset="0"/>
-              </a:rPr>
-              <a:t>solve</a:t>
-            </a:r>
-            <a:r>
-              <a:rPr lang="fr-FR" sz="2400" dirty="0" smtClean="0">
-                <a:latin typeface="Berlin Sans FB Demi" panose="020E0802020502020306" pitchFamily="34" charset="0"/>
-              </a:rPr>
-              <a:t> </a:t>
-            </a:r>
-            <a:r>
-              <a:rPr lang="fr-FR" sz="2400" dirty="0" err="1" smtClean="0">
-                <a:latin typeface="Berlin Sans FB Demi" panose="020E0802020502020306" pitchFamily="34" charset="0"/>
-              </a:rPr>
-              <a:t>them</a:t>
-            </a:r>
-            <a:r>
-              <a:rPr lang="fr-FR" sz="2400" dirty="0" smtClean="0">
-                <a:latin typeface="Berlin Sans FB Demi" panose="020E0802020502020306" pitchFamily="34" charset="0"/>
-              </a:rPr>
-              <a:t> </a:t>
-            </a:r>
-          </a:p>
-          <a:p>
-            <a:pPr>
-              <a:lnSpc>
-                <a:spcPct val="250000"/>
-              </a:lnSpc>
-            </a:pPr>
-            <a:r>
-              <a:rPr lang="fr-FR" sz="2400" dirty="0" smtClean="0">
-                <a:latin typeface="Berlin Sans FB Demi" panose="020E0802020502020306" pitchFamily="34" charset="0"/>
-              </a:rPr>
-              <a:t>Progress </a:t>
-            </a:r>
-            <a:r>
-              <a:rPr lang="fr-FR" sz="2400" dirty="0" err="1" smtClean="0">
-                <a:latin typeface="Berlin Sans FB Demi" panose="020E0802020502020306" pitchFamily="34" charset="0"/>
-              </a:rPr>
-              <a:t>noted</a:t>
-            </a:r>
-            <a:endParaRPr lang="fr-FR" sz="2400" dirty="0">
-              <a:latin typeface="Berlin Sans FB Demi" panose="020E0802020502020306" pitchFamily="34" charset="0"/>
-            </a:endParaRPr>
-          </a:p>
-        </p:txBody>
-      </p:sp>
-    </p:spTree>
-    <p:extLst>
-      <p:ext uri="{BB962C8B-B14F-4D97-AF65-F5344CB8AC3E}">
-        <p14:creationId xmlns:p14="http://schemas.microsoft.com/office/powerpoint/2010/main" val="2669510292"/>
-      </p:ext>
-    </p:extLst>
-  </p:cSld>
-  <p:clrMapOvr>
-    <a:masterClrMapping/>
-  </p:clrMapOvr>
-  <p:transition spd="slow">
-    <p:wipe/>
-  </p:transition>
-  <p:timing>
-    <p:tnLst>
-      <p:par>
-        <p:cTn id="1" dur="indefinite" restart="never" nodeType="tmRoot"/>
-      </p:par>
-    </p:tnLst>
-  </p:timing>
 </p:sld>
 </file>
 
@@ -4276,6 +4358,166 @@
       </p:grpSpPr>
       <p:sp>
         <p:nvSpPr>
+          <p:cNvPr id="2" name="Titre 1"/>
+          <p:cNvSpPr>
+            <a:spLocks noGrp="1"/>
+          </p:cNvSpPr>
+          <p:nvPr>
+            <p:ph type="title"/>
+          </p:nvPr>
+        </p:nvSpPr>
+        <p:spPr>
+          <a:xfrm>
+            <a:off x="927388" y="417678"/>
+            <a:ext cx="7289223" cy="1325563"/>
+          </a:xfrm>
+        </p:spPr>
+        <p:txBody>
+          <a:bodyPr>
+            <a:normAutofit/>
+          </a:bodyPr>
+          <a:lstStyle/>
+          <a:p>
+            <a:pPr algn="ctr"/>
+            <a:r>
+              <a:rPr lang="fr-FR" sz="4000" dirty="0">
+                <a:latin typeface="Berlin Sans FB Demi" panose="020E0802020502020306" pitchFamily="34" charset="0"/>
+              </a:rPr>
+              <a:t>Conclusion</a:t>
+            </a:r>
+          </a:p>
+        </p:txBody>
+      </p:sp>
+      <p:sp>
+        <p:nvSpPr>
+          <p:cNvPr id="3" name="Espace réservé du contenu 2"/>
+          <p:cNvSpPr>
+            <a:spLocks noGrp="1"/>
+          </p:cNvSpPr>
+          <p:nvPr>
+            <p:ph idx="1"/>
+          </p:nvPr>
+        </p:nvSpPr>
+        <p:spPr/>
+        <p:txBody>
+          <a:bodyPr anchor="ctr">
+            <a:normAutofit/>
+          </a:bodyPr>
+          <a:lstStyle/>
+          <a:p>
+            <a:pPr>
+              <a:lnSpc>
+                <a:spcPct val="250000"/>
+              </a:lnSpc>
+            </a:pPr>
+            <a:r>
+              <a:rPr lang="fr-FR" sz="2400" dirty="0" err="1">
+                <a:latin typeface="Berlin Sans FB Demi" panose="020E0802020502020306" pitchFamily="34" charset="0"/>
+              </a:rPr>
+              <a:t>Difficulties</a:t>
+            </a:r>
+            <a:r>
+              <a:rPr lang="fr-FR" sz="2400" dirty="0">
+                <a:latin typeface="Berlin Sans FB Demi" panose="020E0802020502020306" pitchFamily="34" charset="0"/>
+              </a:rPr>
+              <a:t> </a:t>
+            </a:r>
+            <a:r>
+              <a:rPr lang="fr-FR" sz="2400" dirty="0" err="1">
+                <a:latin typeface="Berlin Sans FB Demi" panose="020E0802020502020306" pitchFamily="34" charset="0"/>
+              </a:rPr>
+              <a:t>encountered</a:t>
+            </a:r>
+            <a:r>
+              <a:rPr lang="fr-FR" sz="2400" dirty="0">
+                <a:latin typeface="Berlin Sans FB Demi" panose="020E0802020502020306" pitchFamily="34" charset="0"/>
+              </a:rPr>
+              <a:t> and how to </a:t>
+            </a:r>
+            <a:r>
+              <a:rPr lang="fr-FR" sz="2400" dirty="0" err="1">
+                <a:latin typeface="Berlin Sans FB Demi" panose="020E0802020502020306" pitchFamily="34" charset="0"/>
+              </a:rPr>
+              <a:t>solve</a:t>
+            </a:r>
+            <a:r>
+              <a:rPr lang="fr-FR" sz="2400" dirty="0">
+                <a:latin typeface="Berlin Sans FB Demi" panose="020E0802020502020306" pitchFamily="34" charset="0"/>
+              </a:rPr>
+              <a:t> </a:t>
+            </a:r>
+            <a:r>
+              <a:rPr lang="fr-FR" sz="2400" dirty="0" err="1">
+                <a:latin typeface="Berlin Sans FB Demi" panose="020E0802020502020306" pitchFamily="34" charset="0"/>
+              </a:rPr>
+              <a:t>them</a:t>
+            </a:r>
+            <a:r>
+              <a:rPr lang="fr-FR" sz="2400" dirty="0">
+                <a:latin typeface="Berlin Sans FB Demi" panose="020E0802020502020306" pitchFamily="34" charset="0"/>
+              </a:rPr>
+              <a:t> </a:t>
+            </a:r>
+          </a:p>
+          <a:p>
+            <a:pPr>
+              <a:lnSpc>
+                <a:spcPct val="250000"/>
+              </a:lnSpc>
+            </a:pPr>
+            <a:r>
+              <a:rPr lang="fr-FR" sz="2400" dirty="0">
+                <a:latin typeface="Berlin Sans FB Demi" panose="020E0802020502020306" pitchFamily="34" charset="0"/>
+              </a:rPr>
+              <a:t>Progress </a:t>
+            </a:r>
+            <a:r>
+              <a:rPr lang="fr-FR" sz="2400" dirty="0" err="1">
+                <a:latin typeface="Berlin Sans FB Demi" panose="020E0802020502020306" pitchFamily="34" charset="0"/>
+              </a:rPr>
+              <a:t>noted</a:t>
+            </a:r>
+            <a:endParaRPr lang="fr-FR" sz="2400" dirty="0">
+              <a:latin typeface="Berlin Sans FB Demi" panose="020E0802020502020306" pitchFamily="34" charset="0"/>
+            </a:endParaRPr>
+          </a:p>
+        </p:txBody>
+      </p:sp>
+    </p:spTree>
+    <p:extLst>
+      <p:ext uri="{BB962C8B-B14F-4D97-AF65-F5344CB8AC3E}">
+        <p14:creationId xmlns:p14="http://schemas.microsoft.com/office/powerpoint/2010/main" val="2669510292"/>
+      </p:ext>
+    </p:extLst>
+  </p:cSld>
+  <p:clrMapOvr>
+    <a:masterClrMapping/>
+  </p:clrMapOvr>
+  <p:transition spd="slow">
+    <p:wipe/>
+  </p:transition>
+</p:sld>
+</file>
+
+<file path=ppt/slides/slide7.xml><?xml version="1.0" encoding="utf-8"?>
+<p:sld xmlns:a="http://schemas.openxmlformats.org/drawingml/2006/main" xmlns:r="http://schemas.openxmlformats.org/officeDocument/2006/relationships" xmlns:p="http://schemas.openxmlformats.org/presentationml/2006/main">
+  <p:cSld>
+    <p:spTree>
+      <p:nvGrpSpPr>
+        <p:cNvPr id="1" name=""/>
+        <p:cNvGrpSpPr/>
+        <p:nvPr/>
+      </p:nvGrpSpPr>
+      <p:grpSpPr>
+        <a:xfrm>
+          <a:off x="0" y="0"/>
+          <a:ext cx="0" cy="0"/>
+          <a:chOff x="0" y="0"/>
+          <a:chExt cx="0" cy="0"/>
+        </a:xfrm>
+      </p:grpSpPr>
+      <p:sp>
+        <p:nvSpPr>
           <p:cNvPr id="4" name="Titre 3"/>
           <p:cNvSpPr>
             <a:spLocks noGrp="1"/>
@@ -4330,10 +4572,6 @@
                 <a:latin typeface="Berlin Sans FB Demi" panose="020E0802020502020306" pitchFamily="34" charset="0"/>
               </a:rPr>
               <a:t> attention</a:t>
-            </a:r>
-            <a:r>
-              <a:rPr lang="fr-FR" dirty="0"/>
-              <a:t/>
             </a:r>
             <a:br>
               <a:rPr lang="fr-FR" dirty="0"/>
@@ -4355,17 +4593,10 @@
   <p:transition spd="slow">
     <p:wipe/>
   </p:transition>
-  <p:timing>
-    <p:tnLst>
-      <p:par>
-        <p:cTn id="1" dur="indefinite" restart="never" nodeType="tmRoot"/>
-      </p:par>
-    </p:tnLst>
-  </p:timing>
 </p:sld>
 </file>
 
-<file path=ppt/slides/slide7.xml><?xml version="1.0" encoding="utf-8"?>
+<file path=ppt/slides/slide8.xml><?xml version="1.0" encoding="utf-8"?>
 <p:sld xmlns:a="http://schemas.openxmlformats.org/drawingml/2006/main" xmlns:r="http://schemas.openxmlformats.org/officeDocument/2006/relationships" xmlns:p="http://schemas.openxmlformats.org/presentationml/2006/main">
   <p:cSld>
     <p:spTree>
@@ -4463,13 +4694,6 @@
   <p:transition spd="slow">
     <p:wipe/>
   </p:transition>
-  <p:timing>
-    <p:tnLst>
-      <p:par>
-        <p:cTn id="1" dur="indefinite" restart="never" nodeType="tmRoot"/>
-      </p:par>
-    </p:tnLst>
-  </p:timing>
 </p:sld>
 </file>
 
